--- a/docs/rl_slides.pptx
+++ b/docs/rl_slides.pptx
@@ -6,6 +6,9 @@
   </p:sldMasterIdLst>
   <p:sldIdLst>
     <p:sldId id="256" r:id="rId2"/>
+    <p:sldId id="257" r:id="rId3"/>
+    <p:sldId id="258" r:id="rId4"/>
+    <p:sldId id="259" r:id="rId5"/>
   </p:sldIdLst>
   <p:sldSz cx="12192000" cy="6858000"/>
   <p:notesSz cx="6858000" cy="9144000"/>
@@ -104,6 +107,11 @@
       </a:defRPr>
     </a:lvl9pPr>
   </p:defaultTextStyle>
+  <p:extLst>
+    <p:ext uri="{EFAFB233-063F-42B5-8137-9DF3F51BA10A}">
+      <p15:sldGuideLst xmlns:p15="http://schemas.microsoft.com/office/powerpoint/2012/main"/>
+    </p:ext>
+  </p:extLst>
 </p:presentation>
 </file>
 
@@ -4190,6 +4198,2501 @@
     <p:extLst>
       <p:ext uri="{BB962C8B-B14F-4D97-AF65-F5344CB8AC3E}">
         <p14:creationId xmlns:p14="http://schemas.microsoft.com/office/powerpoint/2010/main" val="506606480"/>
+      </p:ext>
+    </p:extLst>
+  </p:cSld>
+  <p:clrMapOvr>
+    <a:masterClrMapping/>
+  </p:clrMapOvr>
+</p:sld>
+</file>
+
+<file path=ppt/slides/slide2.xml><?xml version="1.0" encoding="utf-8"?>
+<p:sld xmlns:a="http://schemas.openxmlformats.org/drawingml/2006/main" xmlns:r="http://schemas.openxmlformats.org/officeDocument/2006/relationships" xmlns:p="http://schemas.openxmlformats.org/presentationml/2006/main">
+  <p:cSld>
+    <p:spTree>
+      <p:nvGrpSpPr>
+        <p:cNvPr id="1" name=""/>
+        <p:cNvGrpSpPr/>
+        <p:nvPr/>
+      </p:nvGrpSpPr>
+      <p:grpSpPr>
+        <a:xfrm>
+          <a:off x="0" y="0"/>
+          <a:ext cx="0" cy="0"/>
+          <a:chOff x="0" y="0"/>
+          <a:chExt cx="0" cy="0"/>
+        </a:xfrm>
+      </p:grpSpPr>
+      <p:cxnSp>
+        <p:nvCxnSpPr>
+          <p:cNvPr id="3" name="直線矢印コネクタ 2">
+            <a:extLst>
+              <a:ext uri="{FF2B5EF4-FFF2-40B4-BE49-F238E27FC236}">
+                <a16:creationId xmlns:a16="http://schemas.microsoft.com/office/drawing/2014/main" id="{21EB0DCD-8D48-406D-0B7B-54E32331CCEB}"/>
+              </a:ext>
+            </a:extLst>
+          </p:cNvPr>
+          <p:cNvCxnSpPr/>
+          <p:nvPr/>
+        </p:nvCxnSpPr>
+        <p:spPr>
+          <a:xfrm flipV="1">
+            <a:off x="1071716" y="973394"/>
+            <a:ext cx="0" cy="3952567"/>
+          </a:xfrm>
+          <a:prstGeom prst="straightConnector1">
+            <a:avLst/>
+          </a:prstGeom>
+          <a:ln>
+            <a:tailEnd type="triangle"/>
+          </a:ln>
+        </p:spPr>
+        <p:style>
+          <a:lnRef idx="2">
+            <a:schemeClr val="accent1"/>
+          </a:lnRef>
+          <a:fillRef idx="0">
+            <a:schemeClr val="accent1"/>
+          </a:fillRef>
+          <a:effectRef idx="1">
+            <a:schemeClr val="accent1"/>
+          </a:effectRef>
+          <a:fontRef idx="minor">
+            <a:schemeClr val="tx1"/>
+          </a:fontRef>
+        </p:style>
+      </p:cxnSp>
+      <p:cxnSp>
+        <p:nvCxnSpPr>
+          <p:cNvPr id="5" name="直線矢印コネクタ 4">
+            <a:extLst>
+              <a:ext uri="{FF2B5EF4-FFF2-40B4-BE49-F238E27FC236}">
+                <a16:creationId xmlns:a16="http://schemas.microsoft.com/office/drawing/2014/main" id="{DF2EF149-A682-3CB0-CD90-28AFDB278D15}"/>
+              </a:ext>
+            </a:extLst>
+          </p:cNvPr>
+          <p:cNvCxnSpPr/>
+          <p:nvPr/>
+        </p:nvCxnSpPr>
+        <p:spPr>
+          <a:xfrm>
+            <a:off x="1071716" y="4925961"/>
+            <a:ext cx="6784258" cy="0"/>
+          </a:xfrm>
+          <a:prstGeom prst="straightConnector1">
+            <a:avLst/>
+          </a:prstGeom>
+          <a:ln>
+            <a:tailEnd type="triangle"/>
+          </a:ln>
+        </p:spPr>
+        <p:style>
+          <a:lnRef idx="2">
+            <a:schemeClr val="accent1"/>
+          </a:lnRef>
+          <a:fillRef idx="0">
+            <a:schemeClr val="accent1"/>
+          </a:fillRef>
+          <a:effectRef idx="1">
+            <a:schemeClr val="accent1"/>
+          </a:effectRef>
+          <a:fontRef idx="minor">
+            <a:schemeClr val="tx1"/>
+          </a:fontRef>
+        </p:style>
+      </p:cxnSp>
+      <p:sp>
+        <p:nvSpPr>
+          <p:cNvPr id="7" name="フリーフォーム: 図形 6">
+            <a:extLst>
+              <a:ext uri="{FF2B5EF4-FFF2-40B4-BE49-F238E27FC236}">
+                <a16:creationId xmlns:a16="http://schemas.microsoft.com/office/drawing/2014/main" id="{C7B57CC7-BC05-7FB8-C679-DB70A2A0E41C}"/>
+              </a:ext>
+            </a:extLst>
+          </p:cNvPr>
+          <p:cNvSpPr/>
+          <p:nvPr/>
+        </p:nvSpPr>
+        <p:spPr>
+          <a:xfrm>
+            <a:off x="1396181" y="4119523"/>
+            <a:ext cx="5437238" cy="462309"/>
+          </a:xfrm>
+          <a:custGeom>
+            <a:avLst/>
+            <a:gdLst>
+              <a:gd name="connsiteX0" fmla="*/ 0 w 5437238"/>
+              <a:gd name="connsiteY0" fmla="*/ 462309 h 462309"/>
+              <a:gd name="connsiteX1" fmla="*/ 353961 w 5437238"/>
+              <a:gd name="connsiteY1" fmla="*/ 295161 h 462309"/>
+              <a:gd name="connsiteX2" fmla="*/ 727587 w 5437238"/>
+              <a:gd name="connsiteY2" fmla="*/ 314825 h 462309"/>
+              <a:gd name="connsiteX3" fmla="*/ 963561 w 5437238"/>
+              <a:gd name="connsiteY3" fmla="*/ 128012 h 462309"/>
+              <a:gd name="connsiteX4" fmla="*/ 1179871 w 5437238"/>
+              <a:gd name="connsiteY4" fmla="*/ 275496 h 462309"/>
+              <a:gd name="connsiteX5" fmla="*/ 1425677 w 5437238"/>
+              <a:gd name="connsiteY5" fmla="*/ 118180 h 462309"/>
+              <a:gd name="connsiteX6" fmla="*/ 1710813 w 5437238"/>
+              <a:gd name="connsiteY6" fmla="*/ 177174 h 462309"/>
+              <a:gd name="connsiteX7" fmla="*/ 1917290 w 5437238"/>
+              <a:gd name="connsiteY7" fmla="*/ 59187 h 462309"/>
+              <a:gd name="connsiteX8" fmla="*/ 2310580 w 5437238"/>
+              <a:gd name="connsiteY8" fmla="*/ 187006 h 462309"/>
+              <a:gd name="connsiteX9" fmla="*/ 2762864 w 5437238"/>
+              <a:gd name="connsiteY9" fmla="*/ 19857 h 462309"/>
+              <a:gd name="connsiteX10" fmla="*/ 2969342 w 5437238"/>
+              <a:gd name="connsiteY10" fmla="*/ 226335 h 462309"/>
+              <a:gd name="connsiteX11" fmla="*/ 3333135 w 5437238"/>
+              <a:gd name="connsiteY11" fmla="*/ 98516 h 462309"/>
+              <a:gd name="connsiteX12" fmla="*/ 3903406 w 5437238"/>
+              <a:gd name="connsiteY12" fmla="*/ 314825 h 462309"/>
+              <a:gd name="connsiteX13" fmla="*/ 4031225 w 5437238"/>
+              <a:gd name="connsiteY13" fmla="*/ 69019 h 462309"/>
+              <a:gd name="connsiteX14" fmla="*/ 4493342 w 5437238"/>
+              <a:gd name="connsiteY14" fmla="*/ 167341 h 462309"/>
+              <a:gd name="connsiteX15" fmla="*/ 4925961 w 5437238"/>
+              <a:gd name="connsiteY15" fmla="*/ 193 h 462309"/>
+              <a:gd name="connsiteX16" fmla="*/ 4994787 w 5437238"/>
+              <a:gd name="connsiteY16" fmla="*/ 206670 h 462309"/>
+              <a:gd name="connsiteX17" fmla="*/ 5279922 w 5437238"/>
+              <a:gd name="connsiteY17" fmla="*/ 177174 h 462309"/>
+              <a:gd name="connsiteX18" fmla="*/ 5407742 w 5437238"/>
+              <a:gd name="connsiteY18" fmla="*/ 98516 h 462309"/>
+              <a:gd name="connsiteX19" fmla="*/ 5437238 w 5437238"/>
+              <a:gd name="connsiteY19" fmla="*/ 88683 h 462309"/>
+            </a:gdLst>
+            <a:ahLst/>
+            <a:cxnLst>
+              <a:cxn ang="0">
+                <a:pos x="connsiteX0" y="connsiteY0"/>
+              </a:cxn>
+              <a:cxn ang="0">
+                <a:pos x="connsiteX1" y="connsiteY1"/>
+              </a:cxn>
+              <a:cxn ang="0">
+                <a:pos x="connsiteX2" y="connsiteY2"/>
+              </a:cxn>
+              <a:cxn ang="0">
+                <a:pos x="connsiteX3" y="connsiteY3"/>
+              </a:cxn>
+              <a:cxn ang="0">
+                <a:pos x="connsiteX4" y="connsiteY4"/>
+              </a:cxn>
+              <a:cxn ang="0">
+                <a:pos x="connsiteX5" y="connsiteY5"/>
+              </a:cxn>
+              <a:cxn ang="0">
+                <a:pos x="connsiteX6" y="connsiteY6"/>
+              </a:cxn>
+              <a:cxn ang="0">
+                <a:pos x="connsiteX7" y="connsiteY7"/>
+              </a:cxn>
+              <a:cxn ang="0">
+                <a:pos x="connsiteX8" y="connsiteY8"/>
+              </a:cxn>
+              <a:cxn ang="0">
+                <a:pos x="connsiteX9" y="connsiteY9"/>
+              </a:cxn>
+              <a:cxn ang="0">
+                <a:pos x="connsiteX10" y="connsiteY10"/>
+              </a:cxn>
+              <a:cxn ang="0">
+                <a:pos x="connsiteX11" y="connsiteY11"/>
+              </a:cxn>
+              <a:cxn ang="0">
+                <a:pos x="connsiteX12" y="connsiteY12"/>
+              </a:cxn>
+              <a:cxn ang="0">
+                <a:pos x="connsiteX13" y="connsiteY13"/>
+              </a:cxn>
+              <a:cxn ang="0">
+                <a:pos x="connsiteX14" y="connsiteY14"/>
+              </a:cxn>
+              <a:cxn ang="0">
+                <a:pos x="connsiteX15" y="connsiteY15"/>
+              </a:cxn>
+              <a:cxn ang="0">
+                <a:pos x="connsiteX16" y="connsiteY16"/>
+              </a:cxn>
+              <a:cxn ang="0">
+                <a:pos x="connsiteX17" y="connsiteY17"/>
+              </a:cxn>
+              <a:cxn ang="0">
+                <a:pos x="connsiteX18" y="connsiteY18"/>
+              </a:cxn>
+              <a:cxn ang="0">
+                <a:pos x="connsiteX19" y="connsiteY19"/>
+              </a:cxn>
+            </a:cxnLst>
+            <a:rect l="l" t="t" r="r" b="b"/>
+            <a:pathLst>
+              <a:path w="5437238" h="462309">
+                <a:moveTo>
+                  <a:pt x="0" y="462309"/>
+                </a:moveTo>
+                <a:cubicBezTo>
+                  <a:pt x="116348" y="391025"/>
+                  <a:pt x="232696" y="319742"/>
+                  <a:pt x="353961" y="295161"/>
+                </a:cubicBezTo>
+                <a:cubicBezTo>
+                  <a:pt x="475226" y="270580"/>
+                  <a:pt x="625987" y="342683"/>
+                  <a:pt x="727587" y="314825"/>
+                </a:cubicBezTo>
+                <a:cubicBezTo>
+                  <a:pt x="829187" y="286967"/>
+                  <a:pt x="888180" y="134567"/>
+                  <a:pt x="963561" y="128012"/>
+                </a:cubicBezTo>
+                <a:cubicBezTo>
+                  <a:pt x="1038942" y="121457"/>
+                  <a:pt x="1102852" y="277135"/>
+                  <a:pt x="1179871" y="275496"/>
+                </a:cubicBezTo>
+                <a:cubicBezTo>
+                  <a:pt x="1256890" y="273857"/>
+                  <a:pt x="1337187" y="134567"/>
+                  <a:pt x="1425677" y="118180"/>
+                </a:cubicBezTo>
+                <a:cubicBezTo>
+                  <a:pt x="1514167" y="101793"/>
+                  <a:pt x="1628878" y="187006"/>
+                  <a:pt x="1710813" y="177174"/>
+                </a:cubicBezTo>
+                <a:cubicBezTo>
+                  <a:pt x="1792748" y="167342"/>
+                  <a:pt x="1817329" y="57548"/>
+                  <a:pt x="1917290" y="59187"/>
+                </a:cubicBezTo>
+                <a:cubicBezTo>
+                  <a:pt x="2017251" y="60826"/>
+                  <a:pt x="2169651" y="193561"/>
+                  <a:pt x="2310580" y="187006"/>
+                </a:cubicBezTo>
+                <a:cubicBezTo>
+                  <a:pt x="2451509" y="180451"/>
+                  <a:pt x="2653070" y="13302"/>
+                  <a:pt x="2762864" y="19857"/>
+                </a:cubicBezTo>
+                <a:cubicBezTo>
+                  <a:pt x="2872658" y="26412"/>
+                  <a:pt x="2874297" y="213225"/>
+                  <a:pt x="2969342" y="226335"/>
+                </a:cubicBezTo>
+                <a:cubicBezTo>
+                  <a:pt x="3064387" y="239445"/>
+                  <a:pt x="3177458" y="83768"/>
+                  <a:pt x="3333135" y="98516"/>
+                </a:cubicBezTo>
+                <a:cubicBezTo>
+                  <a:pt x="3488812" y="113264"/>
+                  <a:pt x="3787058" y="319741"/>
+                  <a:pt x="3903406" y="314825"/>
+                </a:cubicBezTo>
+                <a:cubicBezTo>
+                  <a:pt x="4019754" y="309909"/>
+                  <a:pt x="3932902" y="93600"/>
+                  <a:pt x="4031225" y="69019"/>
+                </a:cubicBezTo>
+                <a:cubicBezTo>
+                  <a:pt x="4129548" y="44438"/>
+                  <a:pt x="4344219" y="178812"/>
+                  <a:pt x="4493342" y="167341"/>
+                </a:cubicBezTo>
+                <a:cubicBezTo>
+                  <a:pt x="4642465" y="155870"/>
+                  <a:pt x="4842387" y="-6362"/>
+                  <a:pt x="4925961" y="193"/>
+                </a:cubicBezTo>
+                <a:cubicBezTo>
+                  <a:pt x="5009535" y="6748"/>
+                  <a:pt x="4935794" y="177173"/>
+                  <a:pt x="4994787" y="206670"/>
+                </a:cubicBezTo>
+                <a:cubicBezTo>
+                  <a:pt x="5053780" y="236167"/>
+                  <a:pt x="5211096" y="195200"/>
+                  <a:pt x="5279922" y="177174"/>
+                </a:cubicBezTo>
+                <a:cubicBezTo>
+                  <a:pt x="5348748" y="159148"/>
+                  <a:pt x="5407742" y="98516"/>
+                  <a:pt x="5407742" y="98516"/>
+                </a:cubicBezTo>
+                <a:cubicBezTo>
+                  <a:pt x="5433961" y="83767"/>
+                  <a:pt x="5435599" y="86225"/>
+                  <a:pt x="5437238" y="88683"/>
+                </a:cubicBezTo>
+              </a:path>
+            </a:pathLst>
+          </a:custGeom>
+          <a:noFill/>
+          <a:ln>
+            <a:prstDash val="dash"/>
+          </a:ln>
+        </p:spPr>
+        <p:style>
+          <a:lnRef idx="2">
+            <a:schemeClr val="accent1">
+              <a:shade val="15000"/>
+            </a:schemeClr>
+          </a:lnRef>
+          <a:fillRef idx="1">
+            <a:schemeClr val="accent1"/>
+          </a:fillRef>
+          <a:effectRef idx="0">
+            <a:schemeClr val="accent1"/>
+          </a:effectRef>
+          <a:fontRef idx="minor">
+            <a:schemeClr val="lt1"/>
+          </a:fontRef>
+        </p:style>
+        <p:txBody>
+          <a:bodyPr rtlCol="0" anchor="ctr"/>
+          <a:lstStyle/>
+          <a:p>
+            <a:pPr algn="ctr"/>
+            <a:endParaRPr kumimoji="1" lang="ja-JP" altLang="en-US"/>
+          </a:p>
+        </p:txBody>
+      </p:sp>
+      <p:sp>
+        <p:nvSpPr>
+          <p:cNvPr id="9" name="フリーフォーム: 図形 8">
+            <a:extLst>
+              <a:ext uri="{FF2B5EF4-FFF2-40B4-BE49-F238E27FC236}">
+                <a16:creationId xmlns:a16="http://schemas.microsoft.com/office/drawing/2014/main" id="{C8416752-8BAF-A636-BCEB-C546DA37FB0F}"/>
+              </a:ext>
+            </a:extLst>
+          </p:cNvPr>
+          <p:cNvSpPr/>
+          <p:nvPr/>
+        </p:nvSpPr>
+        <p:spPr>
+          <a:xfrm>
+            <a:off x="1396181" y="3485149"/>
+            <a:ext cx="5437238" cy="462309"/>
+          </a:xfrm>
+          <a:custGeom>
+            <a:avLst/>
+            <a:gdLst>
+              <a:gd name="connsiteX0" fmla="*/ 0 w 5437238"/>
+              <a:gd name="connsiteY0" fmla="*/ 462309 h 462309"/>
+              <a:gd name="connsiteX1" fmla="*/ 353961 w 5437238"/>
+              <a:gd name="connsiteY1" fmla="*/ 295161 h 462309"/>
+              <a:gd name="connsiteX2" fmla="*/ 727587 w 5437238"/>
+              <a:gd name="connsiteY2" fmla="*/ 314825 h 462309"/>
+              <a:gd name="connsiteX3" fmla="*/ 963561 w 5437238"/>
+              <a:gd name="connsiteY3" fmla="*/ 128012 h 462309"/>
+              <a:gd name="connsiteX4" fmla="*/ 1179871 w 5437238"/>
+              <a:gd name="connsiteY4" fmla="*/ 275496 h 462309"/>
+              <a:gd name="connsiteX5" fmla="*/ 1425677 w 5437238"/>
+              <a:gd name="connsiteY5" fmla="*/ 118180 h 462309"/>
+              <a:gd name="connsiteX6" fmla="*/ 1710813 w 5437238"/>
+              <a:gd name="connsiteY6" fmla="*/ 177174 h 462309"/>
+              <a:gd name="connsiteX7" fmla="*/ 1917290 w 5437238"/>
+              <a:gd name="connsiteY7" fmla="*/ 59187 h 462309"/>
+              <a:gd name="connsiteX8" fmla="*/ 2310580 w 5437238"/>
+              <a:gd name="connsiteY8" fmla="*/ 187006 h 462309"/>
+              <a:gd name="connsiteX9" fmla="*/ 2762864 w 5437238"/>
+              <a:gd name="connsiteY9" fmla="*/ 19857 h 462309"/>
+              <a:gd name="connsiteX10" fmla="*/ 2969342 w 5437238"/>
+              <a:gd name="connsiteY10" fmla="*/ 226335 h 462309"/>
+              <a:gd name="connsiteX11" fmla="*/ 3333135 w 5437238"/>
+              <a:gd name="connsiteY11" fmla="*/ 98516 h 462309"/>
+              <a:gd name="connsiteX12" fmla="*/ 3903406 w 5437238"/>
+              <a:gd name="connsiteY12" fmla="*/ 314825 h 462309"/>
+              <a:gd name="connsiteX13" fmla="*/ 4031225 w 5437238"/>
+              <a:gd name="connsiteY13" fmla="*/ 69019 h 462309"/>
+              <a:gd name="connsiteX14" fmla="*/ 4493342 w 5437238"/>
+              <a:gd name="connsiteY14" fmla="*/ 167341 h 462309"/>
+              <a:gd name="connsiteX15" fmla="*/ 4925961 w 5437238"/>
+              <a:gd name="connsiteY15" fmla="*/ 193 h 462309"/>
+              <a:gd name="connsiteX16" fmla="*/ 4994787 w 5437238"/>
+              <a:gd name="connsiteY16" fmla="*/ 206670 h 462309"/>
+              <a:gd name="connsiteX17" fmla="*/ 5279922 w 5437238"/>
+              <a:gd name="connsiteY17" fmla="*/ 177174 h 462309"/>
+              <a:gd name="connsiteX18" fmla="*/ 5407742 w 5437238"/>
+              <a:gd name="connsiteY18" fmla="*/ 98516 h 462309"/>
+              <a:gd name="connsiteX19" fmla="*/ 5437238 w 5437238"/>
+              <a:gd name="connsiteY19" fmla="*/ 88683 h 462309"/>
+            </a:gdLst>
+            <a:ahLst/>
+            <a:cxnLst>
+              <a:cxn ang="0">
+                <a:pos x="connsiteX0" y="connsiteY0"/>
+              </a:cxn>
+              <a:cxn ang="0">
+                <a:pos x="connsiteX1" y="connsiteY1"/>
+              </a:cxn>
+              <a:cxn ang="0">
+                <a:pos x="connsiteX2" y="connsiteY2"/>
+              </a:cxn>
+              <a:cxn ang="0">
+                <a:pos x="connsiteX3" y="connsiteY3"/>
+              </a:cxn>
+              <a:cxn ang="0">
+                <a:pos x="connsiteX4" y="connsiteY4"/>
+              </a:cxn>
+              <a:cxn ang="0">
+                <a:pos x="connsiteX5" y="connsiteY5"/>
+              </a:cxn>
+              <a:cxn ang="0">
+                <a:pos x="connsiteX6" y="connsiteY6"/>
+              </a:cxn>
+              <a:cxn ang="0">
+                <a:pos x="connsiteX7" y="connsiteY7"/>
+              </a:cxn>
+              <a:cxn ang="0">
+                <a:pos x="connsiteX8" y="connsiteY8"/>
+              </a:cxn>
+              <a:cxn ang="0">
+                <a:pos x="connsiteX9" y="connsiteY9"/>
+              </a:cxn>
+              <a:cxn ang="0">
+                <a:pos x="connsiteX10" y="connsiteY10"/>
+              </a:cxn>
+              <a:cxn ang="0">
+                <a:pos x="connsiteX11" y="connsiteY11"/>
+              </a:cxn>
+              <a:cxn ang="0">
+                <a:pos x="connsiteX12" y="connsiteY12"/>
+              </a:cxn>
+              <a:cxn ang="0">
+                <a:pos x="connsiteX13" y="connsiteY13"/>
+              </a:cxn>
+              <a:cxn ang="0">
+                <a:pos x="connsiteX14" y="connsiteY14"/>
+              </a:cxn>
+              <a:cxn ang="0">
+                <a:pos x="connsiteX15" y="connsiteY15"/>
+              </a:cxn>
+              <a:cxn ang="0">
+                <a:pos x="connsiteX16" y="connsiteY16"/>
+              </a:cxn>
+              <a:cxn ang="0">
+                <a:pos x="connsiteX17" y="connsiteY17"/>
+              </a:cxn>
+              <a:cxn ang="0">
+                <a:pos x="connsiteX18" y="connsiteY18"/>
+              </a:cxn>
+              <a:cxn ang="0">
+                <a:pos x="connsiteX19" y="connsiteY19"/>
+              </a:cxn>
+            </a:cxnLst>
+            <a:rect l="l" t="t" r="r" b="b"/>
+            <a:pathLst>
+              <a:path w="5437238" h="462309">
+                <a:moveTo>
+                  <a:pt x="0" y="462309"/>
+                </a:moveTo>
+                <a:cubicBezTo>
+                  <a:pt x="116348" y="391025"/>
+                  <a:pt x="232696" y="319742"/>
+                  <a:pt x="353961" y="295161"/>
+                </a:cubicBezTo>
+                <a:cubicBezTo>
+                  <a:pt x="475226" y="270580"/>
+                  <a:pt x="625987" y="342683"/>
+                  <a:pt x="727587" y="314825"/>
+                </a:cubicBezTo>
+                <a:cubicBezTo>
+                  <a:pt x="829187" y="286967"/>
+                  <a:pt x="888180" y="134567"/>
+                  <a:pt x="963561" y="128012"/>
+                </a:cubicBezTo>
+                <a:cubicBezTo>
+                  <a:pt x="1038942" y="121457"/>
+                  <a:pt x="1102852" y="277135"/>
+                  <a:pt x="1179871" y="275496"/>
+                </a:cubicBezTo>
+                <a:cubicBezTo>
+                  <a:pt x="1256890" y="273857"/>
+                  <a:pt x="1337187" y="134567"/>
+                  <a:pt x="1425677" y="118180"/>
+                </a:cubicBezTo>
+                <a:cubicBezTo>
+                  <a:pt x="1514167" y="101793"/>
+                  <a:pt x="1628878" y="187006"/>
+                  <a:pt x="1710813" y="177174"/>
+                </a:cubicBezTo>
+                <a:cubicBezTo>
+                  <a:pt x="1792748" y="167342"/>
+                  <a:pt x="1817329" y="57548"/>
+                  <a:pt x="1917290" y="59187"/>
+                </a:cubicBezTo>
+                <a:cubicBezTo>
+                  <a:pt x="2017251" y="60826"/>
+                  <a:pt x="2169651" y="193561"/>
+                  <a:pt x="2310580" y="187006"/>
+                </a:cubicBezTo>
+                <a:cubicBezTo>
+                  <a:pt x="2451509" y="180451"/>
+                  <a:pt x="2653070" y="13302"/>
+                  <a:pt x="2762864" y="19857"/>
+                </a:cubicBezTo>
+                <a:cubicBezTo>
+                  <a:pt x="2872658" y="26412"/>
+                  <a:pt x="2874297" y="213225"/>
+                  <a:pt x="2969342" y="226335"/>
+                </a:cubicBezTo>
+                <a:cubicBezTo>
+                  <a:pt x="3064387" y="239445"/>
+                  <a:pt x="3177458" y="83768"/>
+                  <a:pt x="3333135" y="98516"/>
+                </a:cubicBezTo>
+                <a:cubicBezTo>
+                  <a:pt x="3488812" y="113264"/>
+                  <a:pt x="3787058" y="319741"/>
+                  <a:pt x="3903406" y="314825"/>
+                </a:cubicBezTo>
+                <a:cubicBezTo>
+                  <a:pt x="4019754" y="309909"/>
+                  <a:pt x="3932902" y="93600"/>
+                  <a:pt x="4031225" y="69019"/>
+                </a:cubicBezTo>
+                <a:cubicBezTo>
+                  <a:pt x="4129548" y="44438"/>
+                  <a:pt x="4344219" y="178812"/>
+                  <a:pt x="4493342" y="167341"/>
+                </a:cubicBezTo>
+                <a:cubicBezTo>
+                  <a:pt x="4642465" y="155870"/>
+                  <a:pt x="4842387" y="-6362"/>
+                  <a:pt x="4925961" y="193"/>
+                </a:cubicBezTo>
+                <a:cubicBezTo>
+                  <a:pt x="5009535" y="6748"/>
+                  <a:pt x="4935794" y="177173"/>
+                  <a:pt x="4994787" y="206670"/>
+                </a:cubicBezTo>
+                <a:cubicBezTo>
+                  <a:pt x="5053780" y="236167"/>
+                  <a:pt x="5211096" y="195200"/>
+                  <a:pt x="5279922" y="177174"/>
+                </a:cubicBezTo>
+                <a:cubicBezTo>
+                  <a:pt x="5348748" y="159148"/>
+                  <a:pt x="5407742" y="98516"/>
+                  <a:pt x="5407742" y="98516"/>
+                </a:cubicBezTo>
+                <a:cubicBezTo>
+                  <a:pt x="5433961" y="83767"/>
+                  <a:pt x="5435599" y="86225"/>
+                  <a:pt x="5437238" y="88683"/>
+                </a:cubicBezTo>
+              </a:path>
+            </a:pathLst>
+          </a:custGeom>
+          <a:noFill/>
+          <a:ln>
+            <a:solidFill>
+              <a:schemeClr val="accent5"/>
+            </a:solidFill>
+            <a:prstDash val="dash"/>
+          </a:ln>
+        </p:spPr>
+        <p:style>
+          <a:lnRef idx="2">
+            <a:schemeClr val="accent1">
+              <a:shade val="15000"/>
+            </a:schemeClr>
+          </a:lnRef>
+          <a:fillRef idx="1">
+            <a:schemeClr val="accent1"/>
+          </a:fillRef>
+          <a:effectRef idx="0">
+            <a:schemeClr val="accent1"/>
+          </a:effectRef>
+          <a:fontRef idx="minor">
+            <a:schemeClr val="lt1"/>
+          </a:fontRef>
+        </p:style>
+        <p:txBody>
+          <a:bodyPr rtlCol="0" anchor="ctr"/>
+          <a:lstStyle/>
+          <a:p>
+            <a:pPr algn="ctr"/>
+            <a:endParaRPr kumimoji="1" lang="ja-JP" altLang="en-US"/>
+          </a:p>
+        </p:txBody>
+      </p:sp>
+      <p:sp>
+        <p:nvSpPr>
+          <p:cNvPr id="10" name="フリーフォーム: 図形 9">
+            <a:extLst>
+              <a:ext uri="{FF2B5EF4-FFF2-40B4-BE49-F238E27FC236}">
+                <a16:creationId xmlns:a16="http://schemas.microsoft.com/office/drawing/2014/main" id="{E2AA52A2-C7D5-D40C-C490-1B8A89001082}"/>
+              </a:ext>
+            </a:extLst>
+          </p:cNvPr>
+          <p:cNvSpPr/>
+          <p:nvPr/>
+        </p:nvSpPr>
+        <p:spPr>
+          <a:xfrm>
+            <a:off x="1632155" y="2259010"/>
+            <a:ext cx="5525729" cy="1027173"/>
+          </a:xfrm>
+          <a:custGeom>
+            <a:avLst/>
+            <a:gdLst>
+              <a:gd name="connsiteX0" fmla="*/ 0 w 5525729"/>
+              <a:gd name="connsiteY0" fmla="*/ 208887 h 1027173"/>
+              <a:gd name="connsiteX1" fmla="*/ 265471 w 5525729"/>
+              <a:gd name="connsiteY1" fmla="*/ 916809 h 1027173"/>
+              <a:gd name="connsiteX2" fmla="*/ 766916 w 5525729"/>
+              <a:gd name="connsiteY2" fmla="*/ 720164 h 1027173"/>
+              <a:gd name="connsiteX3" fmla="*/ 1111045 w 5525729"/>
+              <a:gd name="connsiteY3" fmla="*/ 287545 h 1027173"/>
+              <a:gd name="connsiteX4" fmla="*/ 1622322 w 5525729"/>
+              <a:gd name="connsiteY4" fmla="*/ 1024964 h 1027173"/>
+              <a:gd name="connsiteX5" fmla="*/ 2703871 w 5525729"/>
+              <a:gd name="connsiteY5" fmla="*/ 2409 h 1027173"/>
+              <a:gd name="connsiteX6" fmla="*/ 3195484 w 5525729"/>
+              <a:gd name="connsiteY6" fmla="*/ 749661 h 1027173"/>
+              <a:gd name="connsiteX7" fmla="*/ 3805084 w 5525729"/>
+              <a:gd name="connsiteY7" fmla="*/ 1024964 h 1027173"/>
+              <a:gd name="connsiteX8" fmla="*/ 4168877 w 5525729"/>
+              <a:gd name="connsiteY8" fmla="*/ 671003 h 1027173"/>
+              <a:gd name="connsiteX9" fmla="*/ 4611329 w 5525729"/>
+              <a:gd name="connsiteY9" fmla="*/ 277713 h 1027173"/>
+              <a:gd name="connsiteX10" fmla="*/ 4758813 w 5525729"/>
+              <a:gd name="connsiteY10" fmla="*/ 680835 h 1027173"/>
+              <a:gd name="connsiteX11" fmla="*/ 5122606 w 5525729"/>
+              <a:gd name="connsiteY11" fmla="*/ 612009 h 1027173"/>
+              <a:gd name="connsiteX12" fmla="*/ 5309419 w 5525729"/>
+              <a:gd name="connsiteY12" fmla="*/ 376035 h 1027173"/>
+              <a:gd name="connsiteX13" fmla="*/ 5525729 w 5525729"/>
+              <a:gd name="connsiteY13" fmla="*/ 307209 h 1027173"/>
+            </a:gdLst>
+            <a:ahLst/>
+            <a:cxnLst>
+              <a:cxn ang="0">
+                <a:pos x="connsiteX0" y="connsiteY0"/>
+              </a:cxn>
+              <a:cxn ang="0">
+                <a:pos x="connsiteX1" y="connsiteY1"/>
+              </a:cxn>
+              <a:cxn ang="0">
+                <a:pos x="connsiteX2" y="connsiteY2"/>
+              </a:cxn>
+              <a:cxn ang="0">
+                <a:pos x="connsiteX3" y="connsiteY3"/>
+              </a:cxn>
+              <a:cxn ang="0">
+                <a:pos x="connsiteX4" y="connsiteY4"/>
+              </a:cxn>
+              <a:cxn ang="0">
+                <a:pos x="connsiteX5" y="connsiteY5"/>
+              </a:cxn>
+              <a:cxn ang="0">
+                <a:pos x="connsiteX6" y="connsiteY6"/>
+              </a:cxn>
+              <a:cxn ang="0">
+                <a:pos x="connsiteX7" y="connsiteY7"/>
+              </a:cxn>
+              <a:cxn ang="0">
+                <a:pos x="connsiteX8" y="connsiteY8"/>
+              </a:cxn>
+              <a:cxn ang="0">
+                <a:pos x="connsiteX9" y="connsiteY9"/>
+              </a:cxn>
+              <a:cxn ang="0">
+                <a:pos x="connsiteX10" y="connsiteY10"/>
+              </a:cxn>
+              <a:cxn ang="0">
+                <a:pos x="connsiteX11" y="connsiteY11"/>
+              </a:cxn>
+              <a:cxn ang="0">
+                <a:pos x="connsiteX12" y="connsiteY12"/>
+              </a:cxn>
+              <a:cxn ang="0">
+                <a:pos x="connsiteX13" y="connsiteY13"/>
+              </a:cxn>
+            </a:cxnLst>
+            <a:rect l="l" t="t" r="r" b="b"/>
+            <a:pathLst>
+              <a:path w="5525729" h="1027173">
+                <a:moveTo>
+                  <a:pt x="0" y="208887"/>
+                </a:moveTo>
+                <a:cubicBezTo>
+                  <a:pt x="68826" y="520241"/>
+                  <a:pt x="137652" y="831596"/>
+                  <a:pt x="265471" y="916809"/>
+                </a:cubicBezTo>
+                <a:cubicBezTo>
+                  <a:pt x="393290" y="1002022"/>
+                  <a:pt x="625987" y="825041"/>
+                  <a:pt x="766916" y="720164"/>
+                </a:cubicBezTo>
+                <a:cubicBezTo>
+                  <a:pt x="907845" y="615287"/>
+                  <a:pt x="968477" y="236745"/>
+                  <a:pt x="1111045" y="287545"/>
+                </a:cubicBezTo>
+                <a:cubicBezTo>
+                  <a:pt x="1253613" y="338345"/>
+                  <a:pt x="1356851" y="1072487"/>
+                  <a:pt x="1622322" y="1024964"/>
+                </a:cubicBezTo>
+                <a:cubicBezTo>
+                  <a:pt x="1887793" y="977441"/>
+                  <a:pt x="2441677" y="48293"/>
+                  <a:pt x="2703871" y="2409"/>
+                </a:cubicBezTo>
+                <a:cubicBezTo>
+                  <a:pt x="2966065" y="-43475"/>
+                  <a:pt x="3011949" y="579235"/>
+                  <a:pt x="3195484" y="749661"/>
+                </a:cubicBezTo>
+                <a:cubicBezTo>
+                  <a:pt x="3379019" y="920087"/>
+                  <a:pt x="3642852" y="1038074"/>
+                  <a:pt x="3805084" y="1024964"/>
+                </a:cubicBezTo>
+                <a:cubicBezTo>
+                  <a:pt x="3967316" y="1011854"/>
+                  <a:pt x="4034503" y="795545"/>
+                  <a:pt x="4168877" y="671003"/>
+                </a:cubicBezTo>
+                <a:cubicBezTo>
+                  <a:pt x="4303251" y="546461"/>
+                  <a:pt x="4513006" y="276074"/>
+                  <a:pt x="4611329" y="277713"/>
+                </a:cubicBezTo>
+                <a:cubicBezTo>
+                  <a:pt x="4709652" y="279352"/>
+                  <a:pt x="4673600" y="625119"/>
+                  <a:pt x="4758813" y="680835"/>
+                </a:cubicBezTo>
+                <a:cubicBezTo>
+                  <a:pt x="4844026" y="736551"/>
+                  <a:pt x="5030838" y="662809"/>
+                  <a:pt x="5122606" y="612009"/>
+                </a:cubicBezTo>
+                <a:cubicBezTo>
+                  <a:pt x="5214374" y="561209"/>
+                  <a:pt x="5242232" y="426835"/>
+                  <a:pt x="5309419" y="376035"/>
+                </a:cubicBezTo>
+                <a:cubicBezTo>
+                  <a:pt x="5376606" y="325235"/>
+                  <a:pt x="5451167" y="316222"/>
+                  <a:pt x="5525729" y="307209"/>
+                </a:cubicBezTo>
+              </a:path>
+            </a:pathLst>
+          </a:custGeom>
+          <a:noFill/>
+          <a:ln>
+            <a:prstDash val="dash"/>
+          </a:ln>
+        </p:spPr>
+        <p:style>
+          <a:lnRef idx="2">
+            <a:schemeClr val="accent1">
+              <a:shade val="15000"/>
+            </a:schemeClr>
+          </a:lnRef>
+          <a:fillRef idx="1">
+            <a:schemeClr val="accent1"/>
+          </a:fillRef>
+          <a:effectRef idx="0">
+            <a:schemeClr val="accent1"/>
+          </a:effectRef>
+          <a:fontRef idx="minor">
+            <a:schemeClr val="lt1"/>
+          </a:fontRef>
+        </p:style>
+        <p:txBody>
+          <a:bodyPr rtlCol="0" anchor="ctr"/>
+          <a:lstStyle/>
+          <a:p>
+            <a:pPr algn="ctr"/>
+            <a:endParaRPr kumimoji="1" lang="ja-JP" altLang="en-US"/>
+          </a:p>
+        </p:txBody>
+      </p:sp>
+      <p:sp>
+        <p:nvSpPr>
+          <p:cNvPr id="11" name="フリーフォーム: 図形 10">
+            <a:extLst>
+              <a:ext uri="{FF2B5EF4-FFF2-40B4-BE49-F238E27FC236}">
+                <a16:creationId xmlns:a16="http://schemas.microsoft.com/office/drawing/2014/main" id="{94C42739-D83D-3F1E-3F44-F96F456C4BE6}"/>
+              </a:ext>
+            </a:extLst>
+          </p:cNvPr>
+          <p:cNvSpPr/>
+          <p:nvPr/>
+        </p:nvSpPr>
+        <p:spPr>
+          <a:xfrm>
+            <a:off x="1533832" y="1305108"/>
+            <a:ext cx="6136837" cy="626931"/>
+          </a:xfrm>
+          <a:custGeom>
+            <a:avLst/>
+            <a:gdLst>
+              <a:gd name="connsiteX0" fmla="*/ 0 w 6136837"/>
+              <a:gd name="connsiteY0" fmla="*/ 108155 h 626931"/>
+              <a:gd name="connsiteX1" fmla="*/ 619432 w 6136837"/>
+              <a:gd name="connsiteY1" fmla="*/ 344129 h 626931"/>
+              <a:gd name="connsiteX2" fmla="*/ 1799303 w 6136837"/>
+              <a:gd name="connsiteY2" fmla="*/ 78658 h 626931"/>
+              <a:gd name="connsiteX3" fmla="*/ 2359742 w 6136837"/>
+              <a:gd name="connsiteY3" fmla="*/ 570271 h 626931"/>
+              <a:gd name="connsiteX4" fmla="*/ 3854245 w 6136837"/>
+              <a:gd name="connsiteY4" fmla="*/ 216310 h 626931"/>
+              <a:gd name="connsiteX5" fmla="*/ 4385187 w 6136837"/>
+              <a:gd name="connsiteY5" fmla="*/ 619433 h 626931"/>
+              <a:gd name="connsiteX6" fmla="*/ 5938684 w 6136837"/>
+              <a:gd name="connsiteY6" fmla="*/ 442452 h 626931"/>
+              <a:gd name="connsiteX7" fmla="*/ 6115664 w 6136837"/>
+              <a:gd name="connsiteY7" fmla="*/ 0 h 626931"/>
+              <a:gd name="connsiteX8" fmla="*/ 6115664 w 6136837"/>
+              <a:gd name="connsiteY8" fmla="*/ 0 h 626931"/>
+            </a:gdLst>
+            <a:ahLst/>
+            <a:cxnLst>
+              <a:cxn ang="0">
+                <a:pos x="connsiteX0" y="connsiteY0"/>
+              </a:cxn>
+              <a:cxn ang="0">
+                <a:pos x="connsiteX1" y="connsiteY1"/>
+              </a:cxn>
+              <a:cxn ang="0">
+                <a:pos x="connsiteX2" y="connsiteY2"/>
+              </a:cxn>
+              <a:cxn ang="0">
+                <a:pos x="connsiteX3" y="connsiteY3"/>
+              </a:cxn>
+              <a:cxn ang="0">
+                <a:pos x="connsiteX4" y="connsiteY4"/>
+              </a:cxn>
+              <a:cxn ang="0">
+                <a:pos x="connsiteX5" y="connsiteY5"/>
+              </a:cxn>
+              <a:cxn ang="0">
+                <a:pos x="connsiteX6" y="connsiteY6"/>
+              </a:cxn>
+              <a:cxn ang="0">
+                <a:pos x="connsiteX7" y="connsiteY7"/>
+              </a:cxn>
+              <a:cxn ang="0">
+                <a:pos x="connsiteX8" y="connsiteY8"/>
+              </a:cxn>
+            </a:cxnLst>
+            <a:rect l="l" t="t" r="r" b="b"/>
+            <a:pathLst>
+              <a:path w="6136837" h="626931">
+                <a:moveTo>
+                  <a:pt x="0" y="108155"/>
+                </a:moveTo>
+                <a:cubicBezTo>
+                  <a:pt x="159774" y="228600"/>
+                  <a:pt x="319548" y="349045"/>
+                  <a:pt x="619432" y="344129"/>
+                </a:cubicBezTo>
+                <a:cubicBezTo>
+                  <a:pt x="919316" y="339213"/>
+                  <a:pt x="1509251" y="40968"/>
+                  <a:pt x="1799303" y="78658"/>
+                </a:cubicBezTo>
+                <a:cubicBezTo>
+                  <a:pt x="2089355" y="116348"/>
+                  <a:pt x="2017252" y="547329"/>
+                  <a:pt x="2359742" y="570271"/>
+                </a:cubicBezTo>
+                <a:cubicBezTo>
+                  <a:pt x="2702232" y="593213"/>
+                  <a:pt x="3516671" y="208116"/>
+                  <a:pt x="3854245" y="216310"/>
+                </a:cubicBezTo>
+                <a:cubicBezTo>
+                  <a:pt x="4191819" y="224504"/>
+                  <a:pt x="4037781" y="581743"/>
+                  <a:pt x="4385187" y="619433"/>
+                </a:cubicBezTo>
+                <a:cubicBezTo>
+                  <a:pt x="4732593" y="657123"/>
+                  <a:pt x="5650271" y="545691"/>
+                  <a:pt x="5938684" y="442452"/>
+                </a:cubicBezTo>
+                <a:cubicBezTo>
+                  <a:pt x="6227097" y="339213"/>
+                  <a:pt x="6115664" y="0"/>
+                  <a:pt x="6115664" y="0"/>
+                </a:cubicBezTo>
+                <a:lnTo>
+                  <a:pt x="6115664" y="0"/>
+                </a:lnTo>
+              </a:path>
+            </a:pathLst>
+          </a:custGeom>
+        </p:spPr>
+        <p:style>
+          <a:lnRef idx="3">
+            <a:schemeClr val="accent5"/>
+          </a:lnRef>
+          <a:fillRef idx="0">
+            <a:schemeClr val="accent5"/>
+          </a:fillRef>
+          <a:effectRef idx="2">
+            <a:schemeClr val="accent5"/>
+          </a:effectRef>
+          <a:fontRef idx="minor">
+            <a:schemeClr val="tx1"/>
+          </a:fontRef>
+        </p:style>
+        <p:txBody>
+          <a:bodyPr rtlCol="0" anchor="ctr"/>
+          <a:lstStyle/>
+          <a:p>
+            <a:pPr algn="ctr"/>
+            <a:endParaRPr kumimoji="1" lang="ja-JP" altLang="en-US"/>
+          </a:p>
+        </p:txBody>
+      </p:sp>
+      <p:sp>
+        <p:nvSpPr>
+          <p:cNvPr id="12" name="テキスト ボックス 11">
+            <a:extLst>
+              <a:ext uri="{FF2B5EF4-FFF2-40B4-BE49-F238E27FC236}">
+                <a16:creationId xmlns:a16="http://schemas.microsoft.com/office/drawing/2014/main" id="{91D60CE7-EE17-CCB4-CB4B-307E3291C0DD}"/>
+              </a:ext>
+            </a:extLst>
+          </p:cNvPr>
+          <p:cNvSpPr txBox="1"/>
+          <p:nvPr/>
+        </p:nvSpPr>
+        <p:spPr>
+          <a:xfrm rot="16200000">
+            <a:off x="285923" y="2403264"/>
+            <a:ext cx="785793" cy="369332"/>
+          </a:xfrm>
+          <a:prstGeom prst="rect">
+            <a:avLst/>
+          </a:prstGeom>
+          <a:noFill/>
+        </p:spPr>
+        <p:txBody>
+          <a:bodyPr wrap="none" rtlCol="0">
+            <a:spAutoFit/>
+          </a:bodyPr>
+          <a:lstStyle/>
+          <a:p>
+            <a:r>
+              <a:rPr kumimoji="1" lang="en-US" altLang="ja-JP" dirty="0">
+                <a:latin typeface="Arial" panose="020B0604020202020204" pitchFamily="34" charset="0"/>
+                <a:cs typeface="Arial" panose="020B0604020202020204" pitchFamily="34" charset="0"/>
+              </a:rPr>
+              <a:t>Value</a:t>
+            </a:r>
+            <a:endParaRPr kumimoji="1" lang="ja-JP" altLang="en-US" dirty="0">
+              <a:latin typeface="Arial" panose="020B0604020202020204" pitchFamily="34" charset="0"/>
+              <a:cs typeface="Arial" panose="020B0604020202020204" pitchFamily="34" charset="0"/>
+            </a:endParaRPr>
+          </a:p>
+        </p:txBody>
+      </p:sp>
+      <p:sp>
+        <p:nvSpPr>
+          <p:cNvPr id="13" name="テキスト ボックス 12">
+            <a:extLst>
+              <a:ext uri="{FF2B5EF4-FFF2-40B4-BE49-F238E27FC236}">
+                <a16:creationId xmlns:a16="http://schemas.microsoft.com/office/drawing/2014/main" id="{5FE2DAA1-E6DE-C78C-217A-815E9D05C716}"/>
+              </a:ext>
+            </a:extLst>
+          </p:cNvPr>
+          <p:cNvSpPr txBox="1"/>
+          <p:nvPr/>
+        </p:nvSpPr>
+        <p:spPr>
+          <a:xfrm>
+            <a:off x="7364361" y="5181600"/>
+            <a:ext cx="1327355" cy="369332"/>
+          </a:xfrm>
+          <a:prstGeom prst="rect">
+            <a:avLst/>
+          </a:prstGeom>
+          <a:noFill/>
+        </p:spPr>
+        <p:txBody>
+          <a:bodyPr wrap="square" rtlCol="0">
+            <a:spAutoFit/>
+          </a:bodyPr>
+          <a:lstStyle/>
+          <a:p>
+            <a:r>
+              <a:rPr kumimoji="1" lang="en-US" altLang="ja-JP" dirty="0">
+                <a:latin typeface="Arial" panose="020B0604020202020204" pitchFamily="34" charset="0"/>
+                <a:cs typeface="Arial" panose="020B0604020202020204" pitchFamily="34" charset="0"/>
+              </a:rPr>
+              <a:t>States</a:t>
+            </a:r>
+            <a:endParaRPr kumimoji="1" lang="ja-JP" altLang="en-US" dirty="0">
+              <a:latin typeface="Arial" panose="020B0604020202020204" pitchFamily="34" charset="0"/>
+              <a:cs typeface="Arial" panose="020B0604020202020204" pitchFamily="34" charset="0"/>
+            </a:endParaRPr>
+          </a:p>
+        </p:txBody>
+      </p:sp>
+      <p:sp>
+        <p:nvSpPr>
+          <p:cNvPr id="14" name="テキスト ボックス 13">
+            <a:extLst>
+              <a:ext uri="{FF2B5EF4-FFF2-40B4-BE49-F238E27FC236}">
+                <a16:creationId xmlns:a16="http://schemas.microsoft.com/office/drawing/2014/main" id="{DE209FDE-4D22-20CB-734A-F59E2474246E}"/>
+              </a:ext>
+            </a:extLst>
+          </p:cNvPr>
+          <p:cNvSpPr txBox="1"/>
+          <p:nvPr/>
+        </p:nvSpPr>
+        <p:spPr>
+          <a:xfrm>
+            <a:off x="6931742" y="4067378"/>
+            <a:ext cx="1327355" cy="369332"/>
+          </a:xfrm>
+          <a:prstGeom prst="rect">
+            <a:avLst/>
+          </a:prstGeom>
+          <a:noFill/>
+        </p:spPr>
+        <p:txBody>
+          <a:bodyPr wrap="square" rtlCol="0">
+            <a:spAutoFit/>
+          </a:bodyPr>
+          <a:lstStyle/>
+          <a:p>
+            <a:r>
+              <a:rPr kumimoji="1" lang="en-US" altLang="ja-JP" dirty="0">
+                <a:latin typeface="Arial" panose="020B0604020202020204" pitchFamily="34" charset="0"/>
+                <a:cs typeface="Arial" panose="020B0604020202020204" pitchFamily="34" charset="0"/>
+              </a:rPr>
+              <a:t>Pi 1</a:t>
+            </a:r>
+            <a:endParaRPr kumimoji="1" lang="ja-JP" altLang="en-US" dirty="0">
+              <a:latin typeface="Arial" panose="020B0604020202020204" pitchFamily="34" charset="0"/>
+              <a:cs typeface="Arial" panose="020B0604020202020204" pitchFamily="34" charset="0"/>
+            </a:endParaRPr>
+          </a:p>
+        </p:txBody>
+      </p:sp>
+      <p:sp>
+        <p:nvSpPr>
+          <p:cNvPr id="15" name="テキスト ボックス 14">
+            <a:extLst>
+              <a:ext uri="{FF2B5EF4-FFF2-40B4-BE49-F238E27FC236}">
+                <a16:creationId xmlns:a16="http://schemas.microsoft.com/office/drawing/2014/main" id="{0743817F-7664-9B13-4358-B8ED72699D80}"/>
+              </a:ext>
+            </a:extLst>
+          </p:cNvPr>
+          <p:cNvSpPr txBox="1"/>
+          <p:nvPr/>
+        </p:nvSpPr>
+        <p:spPr>
+          <a:xfrm>
+            <a:off x="6931742" y="3381288"/>
+            <a:ext cx="1327355" cy="369332"/>
+          </a:xfrm>
+          <a:prstGeom prst="rect">
+            <a:avLst/>
+          </a:prstGeom>
+          <a:noFill/>
+        </p:spPr>
+        <p:txBody>
+          <a:bodyPr wrap="square" rtlCol="0">
+            <a:spAutoFit/>
+          </a:bodyPr>
+          <a:lstStyle/>
+          <a:p>
+            <a:r>
+              <a:rPr kumimoji="1" lang="en-US" altLang="ja-JP" dirty="0">
+                <a:latin typeface="Arial" panose="020B0604020202020204" pitchFamily="34" charset="0"/>
+                <a:cs typeface="Arial" panose="020B0604020202020204" pitchFamily="34" charset="0"/>
+              </a:rPr>
+              <a:t>Pi 2</a:t>
+            </a:r>
+            <a:endParaRPr kumimoji="1" lang="ja-JP" altLang="en-US" dirty="0">
+              <a:latin typeface="Arial" panose="020B0604020202020204" pitchFamily="34" charset="0"/>
+              <a:cs typeface="Arial" panose="020B0604020202020204" pitchFamily="34" charset="0"/>
+            </a:endParaRPr>
+          </a:p>
+        </p:txBody>
+      </p:sp>
+      <p:sp>
+        <p:nvSpPr>
+          <p:cNvPr id="16" name="テキスト ボックス 15">
+            <a:extLst>
+              <a:ext uri="{FF2B5EF4-FFF2-40B4-BE49-F238E27FC236}">
+                <a16:creationId xmlns:a16="http://schemas.microsoft.com/office/drawing/2014/main" id="{89A9F930-96B2-FC51-C578-253177A9B654}"/>
+              </a:ext>
+            </a:extLst>
+          </p:cNvPr>
+          <p:cNvSpPr txBox="1"/>
+          <p:nvPr/>
+        </p:nvSpPr>
+        <p:spPr>
+          <a:xfrm>
+            <a:off x="7157884" y="2395680"/>
+            <a:ext cx="1327355" cy="369332"/>
+          </a:xfrm>
+          <a:prstGeom prst="rect">
+            <a:avLst/>
+          </a:prstGeom>
+          <a:noFill/>
+        </p:spPr>
+        <p:txBody>
+          <a:bodyPr wrap="square" rtlCol="0">
+            <a:spAutoFit/>
+          </a:bodyPr>
+          <a:lstStyle/>
+          <a:p>
+            <a:r>
+              <a:rPr kumimoji="1" lang="en-US" altLang="ja-JP" dirty="0">
+                <a:latin typeface="Arial" panose="020B0604020202020204" pitchFamily="34" charset="0"/>
+                <a:cs typeface="Arial" panose="020B0604020202020204" pitchFamily="34" charset="0"/>
+              </a:rPr>
+              <a:t>Pi 3</a:t>
+            </a:r>
+            <a:endParaRPr kumimoji="1" lang="ja-JP" altLang="en-US" dirty="0">
+              <a:latin typeface="Arial" panose="020B0604020202020204" pitchFamily="34" charset="0"/>
+              <a:cs typeface="Arial" panose="020B0604020202020204" pitchFamily="34" charset="0"/>
+            </a:endParaRPr>
+          </a:p>
+        </p:txBody>
+      </p:sp>
+      <p:sp>
+        <p:nvSpPr>
+          <p:cNvPr id="17" name="テキスト ボックス 16">
+            <a:extLst>
+              <a:ext uri="{FF2B5EF4-FFF2-40B4-BE49-F238E27FC236}">
+                <a16:creationId xmlns:a16="http://schemas.microsoft.com/office/drawing/2014/main" id="{A5429EAF-BD05-C259-5CCC-B6B8AA27CE29}"/>
+              </a:ext>
+            </a:extLst>
+          </p:cNvPr>
+          <p:cNvSpPr txBox="1"/>
+          <p:nvPr/>
+        </p:nvSpPr>
+        <p:spPr>
+          <a:xfrm>
+            <a:off x="7682009" y="908648"/>
+            <a:ext cx="1327355" cy="369332"/>
+          </a:xfrm>
+          <a:prstGeom prst="rect">
+            <a:avLst/>
+          </a:prstGeom>
+          <a:noFill/>
+        </p:spPr>
+        <p:txBody>
+          <a:bodyPr wrap="square" rtlCol="0">
+            <a:spAutoFit/>
+          </a:bodyPr>
+          <a:lstStyle/>
+          <a:p>
+            <a:r>
+              <a:rPr kumimoji="1" lang="en-US" altLang="ja-JP" dirty="0">
+                <a:latin typeface="Arial" panose="020B0604020202020204" pitchFamily="34" charset="0"/>
+                <a:cs typeface="Arial" panose="020B0604020202020204" pitchFamily="34" charset="0"/>
+              </a:rPr>
+              <a:t>Pi star</a:t>
+            </a:r>
+            <a:endParaRPr kumimoji="1" lang="ja-JP" altLang="en-US" dirty="0">
+              <a:latin typeface="Arial" panose="020B0604020202020204" pitchFamily="34" charset="0"/>
+              <a:cs typeface="Arial" panose="020B0604020202020204" pitchFamily="34" charset="0"/>
+            </a:endParaRPr>
+          </a:p>
+        </p:txBody>
+      </p:sp>
+    </p:spTree>
+    <p:extLst>
+      <p:ext uri="{BB962C8B-B14F-4D97-AF65-F5344CB8AC3E}">
+        <p14:creationId xmlns:p14="http://schemas.microsoft.com/office/powerpoint/2010/main" val="4180746095"/>
+      </p:ext>
+    </p:extLst>
+  </p:cSld>
+  <p:clrMapOvr>
+    <a:masterClrMapping/>
+  </p:clrMapOvr>
+</p:sld>
+</file>
+
+<file path=ppt/slides/slide3.xml><?xml version="1.0" encoding="utf-8"?>
+<p:sld xmlns:a="http://schemas.openxmlformats.org/drawingml/2006/main" xmlns:r="http://schemas.openxmlformats.org/officeDocument/2006/relationships" xmlns:p="http://schemas.openxmlformats.org/presentationml/2006/main">
+  <p:cSld>
+    <p:spTree>
+      <p:nvGrpSpPr>
+        <p:cNvPr id="1" name=""/>
+        <p:cNvGrpSpPr/>
+        <p:nvPr/>
+      </p:nvGrpSpPr>
+      <p:grpSpPr>
+        <a:xfrm>
+          <a:off x="0" y="0"/>
+          <a:ext cx="0" cy="0"/>
+          <a:chOff x="0" y="0"/>
+          <a:chExt cx="0" cy="0"/>
+        </a:xfrm>
+      </p:grpSpPr>
+      <p:sp>
+        <p:nvSpPr>
+          <p:cNvPr id="2" name="正方形/長方形 1">
+            <a:extLst>
+              <a:ext uri="{FF2B5EF4-FFF2-40B4-BE49-F238E27FC236}">
+                <a16:creationId xmlns:a16="http://schemas.microsoft.com/office/drawing/2014/main" id="{ED4683D3-A5FB-A4A0-D80D-FA533E6929B8}"/>
+              </a:ext>
+            </a:extLst>
+          </p:cNvPr>
+          <p:cNvSpPr/>
+          <p:nvPr/>
+        </p:nvSpPr>
+        <p:spPr>
+          <a:xfrm>
+            <a:off x="3136491" y="2025445"/>
+            <a:ext cx="2497393" cy="2163097"/>
+          </a:xfrm>
+          <a:prstGeom prst="rect">
+            <a:avLst/>
+          </a:prstGeom>
+        </p:spPr>
+        <p:style>
+          <a:lnRef idx="2">
+            <a:schemeClr val="accent5"/>
+          </a:lnRef>
+          <a:fillRef idx="1">
+            <a:schemeClr val="lt1"/>
+          </a:fillRef>
+          <a:effectRef idx="0">
+            <a:schemeClr val="accent5"/>
+          </a:effectRef>
+          <a:fontRef idx="minor">
+            <a:schemeClr val="dk1"/>
+          </a:fontRef>
+        </p:style>
+        <p:txBody>
+          <a:bodyPr rtlCol="0" anchor="ctr"/>
+          <a:lstStyle/>
+          <a:p>
+            <a:pPr algn="ctr"/>
+            <a:endParaRPr kumimoji="1" lang="ja-JP" altLang="en-US" dirty="0"/>
+          </a:p>
+        </p:txBody>
+      </p:sp>
+      <p:sp>
+        <p:nvSpPr>
+          <p:cNvPr id="3" name="正方形/長方形 2">
+            <a:extLst>
+              <a:ext uri="{FF2B5EF4-FFF2-40B4-BE49-F238E27FC236}">
+                <a16:creationId xmlns:a16="http://schemas.microsoft.com/office/drawing/2014/main" id="{2A455C41-567C-BB34-40DB-34066EBC8B87}"/>
+              </a:ext>
+            </a:extLst>
+          </p:cNvPr>
+          <p:cNvSpPr/>
+          <p:nvPr/>
+        </p:nvSpPr>
+        <p:spPr>
+          <a:xfrm>
+            <a:off x="5633884" y="2025445"/>
+            <a:ext cx="2497393" cy="2163097"/>
+          </a:xfrm>
+          <a:prstGeom prst="rect">
+            <a:avLst/>
+          </a:prstGeom>
+        </p:spPr>
+        <p:style>
+          <a:lnRef idx="2">
+            <a:schemeClr val="accent5"/>
+          </a:lnRef>
+          <a:fillRef idx="1">
+            <a:schemeClr val="lt1"/>
+          </a:fillRef>
+          <a:effectRef idx="0">
+            <a:schemeClr val="accent5"/>
+          </a:effectRef>
+          <a:fontRef idx="minor">
+            <a:schemeClr val="dk1"/>
+          </a:fontRef>
+        </p:style>
+        <p:txBody>
+          <a:bodyPr rtlCol="0" anchor="ctr"/>
+          <a:lstStyle/>
+          <a:p>
+            <a:pPr algn="ctr"/>
+            <a:endParaRPr kumimoji="1" lang="ja-JP" altLang="en-US" dirty="0"/>
+          </a:p>
+        </p:txBody>
+      </p:sp>
+      <p:sp>
+        <p:nvSpPr>
+          <p:cNvPr id="4" name="正方形/長方形 3">
+            <a:extLst>
+              <a:ext uri="{FF2B5EF4-FFF2-40B4-BE49-F238E27FC236}">
+                <a16:creationId xmlns:a16="http://schemas.microsoft.com/office/drawing/2014/main" id="{DEC14765-05A6-850E-16BB-836669179F77}"/>
+              </a:ext>
+            </a:extLst>
+          </p:cNvPr>
+          <p:cNvSpPr/>
+          <p:nvPr/>
+        </p:nvSpPr>
+        <p:spPr>
+          <a:xfrm>
+            <a:off x="2802195" y="2025444"/>
+            <a:ext cx="334296" cy="2163097"/>
+          </a:xfrm>
+          <a:prstGeom prst="rect">
+            <a:avLst/>
+          </a:prstGeom>
+        </p:spPr>
+        <p:style>
+          <a:lnRef idx="2">
+            <a:schemeClr val="accent5">
+              <a:shade val="15000"/>
+            </a:schemeClr>
+          </a:lnRef>
+          <a:fillRef idx="1">
+            <a:schemeClr val="accent5"/>
+          </a:fillRef>
+          <a:effectRef idx="0">
+            <a:schemeClr val="accent5"/>
+          </a:effectRef>
+          <a:fontRef idx="minor">
+            <a:schemeClr val="lt1"/>
+          </a:fontRef>
+        </p:style>
+        <p:txBody>
+          <a:bodyPr rtlCol="0" anchor="ctr"/>
+          <a:lstStyle/>
+          <a:p>
+            <a:pPr algn="ctr"/>
+            <a:endParaRPr kumimoji="1" lang="ja-JP" altLang="en-US" dirty="0"/>
+          </a:p>
+        </p:txBody>
+      </p:sp>
+      <p:sp>
+        <p:nvSpPr>
+          <p:cNvPr id="6" name="正方形/長方形 5">
+            <a:extLst>
+              <a:ext uri="{FF2B5EF4-FFF2-40B4-BE49-F238E27FC236}">
+                <a16:creationId xmlns:a16="http://schemas.microsoft.com/office/drawing/2014/main" id="{E357907F-4AD2-D095-CEF0-34D65F5CED49}"/>
+              </a:ext>
+            </a:extLst>
+          </p:cNvPr>
+          <p:cNvSpPr/>
+          <p:nvPr/>
+        </p:nvSpPr>
+        <p:spPr>
+          <a:xfrm>
+            <a:off x="8131277" y="2025444"/>
+            <a:ext cx="334296" cy="2163097"/>
+          </a:xfrm>
+          <a:prstGeom prst="rect">
+            <a:avLst/>
+          </a:prstGeom>
+        </p:spPr>
+        <p:style>
+          <a:lnRef idx="2">
+            <a:schemeClr val="accent5">
+              <a:shade val="15000"/>
+            </a:schemeClr>
+          </a:lnRef>
+          <a:fillRef idx="1">
+            <a:schemeClr val="accent5"/>
+          </a:fillRef>
+          <a:effectRef idx="0">
+            <a:schemeClr val="accent5"/>
+          </a:effectRef>
+          <a:fontRef idx="minor">
+            <a:schemeClr val="lt1"/>
+          </a:fontRef>
+        </p:style>
+        <p:txBody>
+          <a:bodyPr rtlCol="0" anchor="ctr"/>
+          <a:lstStyle/>
+          <a:p>
+            <a:pPr algn="ctr"/>
+            <a:endParaRPr kumimoji="1" lang="ja-JP" altLang="en-US" dirty="0"/>
+          </a:p>
+        </p:txBody>
+      </p:sp>
+      <p:pic>
+        <p:nvPicPr>
+          <p:cNvPr id="8" name="図 7">
+            <a:extLst>
+              <a:ext uri="{FF2B5EF4-FFF2-40B4-BE49-F238E27FC236}">
+                <a16:creationId xmlns:a16="http://schemas.microsoft.com/office/drawing/2014/main" id="{2C4BDB84-D112-D71F-C425-27853C2510D9}"/>
+              </a:ext>
+            </a:extLst>
+          </p:cNvPr>
+          <p:cNvPicPr>
+            <a:picLocks noChangeAspect="1"/>
+          </p:cNvPicPr>
+          <p:nvPr/>
+        </p:nvPicPr>
+        <p:blipFill>
+          <a:blip r:embed="rId2"/>
+          <a:stretch>
+            <a:fillRect/>
+          </a:stretch>
+        </p:blipFill>
+        <p:spPr>
+          <a:xfrm>
+            <a:off x="5882027" y="2161493"/>
+            <a:ext cx="2001106" cy="1890997"/>
+          </a:xfrm>
+          <a:prstGeom prst="rect">
+            <a:avLst/>
+          </a:prstGeom>
+        </p:spPr>
+      </p:pic>
+      <p:pic>
+        <p:nvPicPr>
+          <p:cNvPr id="9" name="図 8">
+            <a:extLst>
+              <a:ext uri="{FF2B5EF4-FFF2-40B4-BE49-F238E27FC236}">
+                <a16:creationId xmlns:a16="http://schemas.microsoft.com/office/drawing/2014/main" id="{C1756DE0-D855-EAE3-4C72-3D93F820C7AB}"/>
+              </a:ext>
+            </a:extLst>
+          </p:cNvPr>
+          <p:cNvPicPr>
+            <a:picLocks noChangeAspect="1"/>
+          </p:cNvPicPr>
+          <p:nvPr/>
+        </p:nvPicPr>
+        <p:blipFill>
+          <a:blip r:embed="rId3"/>
+          <a:stretch>
+            <a:fillRect/>
+          </a:stretch>
+        </p:blipFill>
+        <p:spPr>
+          <a:xfrm>
+            <a:off x="3384634" y="2161493"/>
+            <a:ext cx="1914954" cy="1897152"/>
+          </a:xfrm>
+          <a:prstGeom prst="rect">
+            <a:avLst/>
+          </a:prstGeom>
+        </p:spPr>
+      </p:pic>
+      <p:sp>
+        <p:nvSpPr>
+          <p:cNvPr id="10" name="テキスト ボックス 9">
+            <a:extLst>
+              <a:ext uri="{FF2B5EF4-FFF2-40B4-BE49-F238E27FC236}">
+                <a16:creationId xmlns:a16="http://schemas.microsoft.com/office/drawing/2014/main" id="{1980CF56-6F43-2068-ADD2-B5C6B9D55987}"/>
+              </a:ext>
+            </a:extLst>
+          </p:cNvPr>
+          <p:cNvSpPr txBox="1"/>
+          <p:nvPr/>
+        </p:nvSpPr>
+        <p:spPr>
+          <a:xfrm>
+            <a:off x="3872111" y="1625334"/>
+            <a:ext cx="470000" cy="400110"/>
+          </a:xfrm>
+          <a:prstGeom prst="rect">
+            <a:avLst/>
+          </a:prstGeom>
+          <a:noFill/>
+        </p:spPr>
+        <p:txBody>
+          <a:bodyPr wrap="none" rtlCol="0">
+            <a:spAutoFit/>
+          </a:bodyPr>
+          <a:lstStyle/>
+          <a:p>
+            <a:r>
+              <a:rPr kumimoji="1" lang="en-US" altLang="ja-JP" sz="2000" dirty="0">
+                <a:latin typeface="Arial" panose="020B0604020202020204" pitchFamily="34" charset="0"/>
+                <a:cs typeface="Arial" panose="020B0604020202020204" pitchFamily="34" charset="0"/>
+              </a:rPr>
+              <a:t>L1</a:t>
+            </a:r>
+            <a:endParaRPr kumimoji="1" lang="ja-JP" altLang="en-US" sz="2000" dirty="0">
+              <a:latin typeface="Arial" panose="020B0604020202020204" pitchFamily="34" charset="0"/>
+              <a:cs typeface="Arial" panose="020B0604020202020204" pitchFamily="34" charset="0"/>
+            </a:endParaRPr>
+          </a:p>
+        </p:txBody>
+      </p:sp>
+      <p:sp>
+        <p:nvSpPr>
+          <p:cNvPr id="11" name="テキスト ボックス 10">
+            <a:extLst>
+              <a:ext uri="{FF2B5EF4-FFF2-40B4-BE49-F238E27FC236}">
+                <a16:creationId xmlns:a16="http://schemas.microsoft.com/office/drawing/2014/main" id="{51540718-DA18-A4C5-4C98-A54348E109F8}"/>
+              </a:ext>
+            </a:extLst>
+          </p:cNvPr>
+          <p:cNvSpPr txBox="1"/>
+          <p:nvPr/>
+        </p:nvSpPr>
+        <p:spPr>
+          <a:xfrm>
+            <a:off x="6882580" y="1625334"/>
+            <a:ext cx="470000" cy="400110"/>
+          </a:xfrm>
+          <a:prstGeom prst="rect">
+            <a:avLst/>
+          </a:prstGeom>
+          <a:noFill/>
+        </p:spPr>
+        <p:txBody>
+          <a:bodyPr wrap="none" rtlCol="0">
+            <a:spAutoFit/>
+          </a:bodyPr>
+          <a:lstStyle/>
+          <a:p>
+            <a:r>
+              <a:rPr kumimoji="1" lang="en-US" altLang="ja-JP" sz="2000" dirty="0">
+                <a:latin typeface="Arial" panose="020B0604020202020204" pitchFamily="34" charset="0"/>
+                <a:cs typeface="Arial" panose="020B0604020202020204" pitchFamily="34" charset="0"/>
+              </a:rPr>
+              <a:t>L2</a:t>
+            </a:r>
+            <a:endParaRPr kumimoji="1" lang="ja-JP" altLang="en-US" sz="2000" dirty="0">
+              <a:latin typeface="Arial" panose="020B0604020202020204" pitchFamily="34" charset="0"/>
+              <a:cs typeface="Arial" panose="020B0604020202020204" pitchFamily="34" charset="0"/>
+            </a:endParaRPr>
+          </a:p>
+        </p:txBody>
+      </p:sp>
+      <p:sp>
+        <p:nvSpPr>
+          <p:cNvPr id="12" name="テキスト ボックス 11">
+            <a:extLst>
+              <a:ext uri="{FF2B5EF4-FFF2-40B4-BE49-F238E27FC236}">
+                <a16:creationId xmlns:a16="http://schemas.microsoft.com/office/drawing/2014/main" id="{2CBECA8F-1731-E390-6955-94D40BB161C8}"/>
+              </a:ext>
+            </a:extLst>
+          </p:cNvPr>
+          <p:cNvSpPr txBox="1"/>
+          <p:nvPr/>
+        </p:nvSpPr>
+        <p:spPr>
+          <a:xfrm>
+            <a:off x="1937538" y="2906936"/>
+            <a:ext cx="675313" cy="400110"/>
+          </a:xfrm>
+          <a:prstGeom prst="rect">
+            <a:avLst/>
+          </a:prstGeom>
+          <a:noFill/>
+        </p:spPr>
+        <p:txBody>
+          <a:bodyPr wrap="none" rtlCol="0">
+            <a:spAutoFit/>
+          </a:bodyPr>
+          <a:lstStyle/>
+          <a:p>
+            <a:r>
+              <a:rPr lang="en-US" altLang="ja-JP" sz="2000" dirty="0">
+                <a:latin typeface="Arial" panose="020B0604020202020204" pitchFamily="34" charset="0"/>
+                <a:cs typeface="Arial" panose="020B0604020202020204" pitchFamily="34" charset="0"/>
+              </a:rPr>
+              <a:t>Wall</a:t>
+            </a:r>
+            <a:endParaRPr kumimoji="1" lang="ja-JP" altLang="en-US" sz="2000" dirty="0">
+              <a:latin typeface="Arial" panose="020B0604020202020204" pitchFamily="34" charset="0"/>
+              <a:cs typeface="Arial" panose="020B0604020202020204" pitchFamily="34" charset="0"/>
+            </a:endParaRPr>
+          </a:p>
+        </p:txBody>
+      </p:sp>
+      <p:sp>
+        <p:nvSpPr>
+          <p:cNvPr id="13" name="テキスト ボックス 12">
+            <a:extLst>
+              <a:ext uri="{FF2B5EF4-FFF2-40B4-BE49-F238E27FC236}">
+                <a16:creationId xmlns:a16="http://schemas.microsoft.com/office/drawing/2014/main" id="{AC4B7928-E364-8BAA-A5D2-4C071C936CE1}"/>
+              </a:ext>
+            </a:extLst>
+          </p:cNvPr>
+          <p:cNvSpPr txBox="1"/>
+          <p:nvPr/>
+        </p:nvSpPr>
+        <p:spPr>
+          <a:xfrm>
+            <a:off x="8654917" y="2906936"/>
+            <a:ext cx="675313" cy="400110"/>
+          </a:xfrm>
+          <a:prstGeom prst="rect">
+            <a:avLst/>
+          </a:prstGeom>
+          <a:noFill/>
+        </p:spPr>
+        <p:txBody>
+          <a:bodyPr wrap="none" rtlCol="0">
+            <a:spAutoFit/>
+          </a:bodyPr>
+          <a:lstStyle/>
+          <a:p>
+            <a:r>
+              <a:rPr lang="en-US" altLang="ja-JP" sz="2000" dirty="0">
+                <a:latin typeface="Arial" panose="020B0604020202020204" pitchFamily="34" charset="0"/>
+                <a:cs typeface="Arial" panose="020B0604020202020204" pitchFamily="34" charset="0"/>
+              </a:rPr>
+              <a:t>Wall</a:t>
+            </a:r>
+            <a:endParaRPr kumimoji="1" lang="ja-JP" altLang="en-US" sz="2000" dirty="0">
+              <a:latin typeface="Arial" panose="020B0604020202020204" pitchFamily="34" charset="0"/>
+              <a:cs typeface="Arial" panose="020B0604020202020204" pitchFamily="34" charset="0"/>
+            </a:endParaRPr>
+          </a:p>
+        </p:txBody>
+      </p:sp>
+    </p:spTree>
+    <p:extLst>
+      <p:ext uri="{BB962C8B-B14F-4D97-AF65-F5344CB8AC3E}">
+        <p14:creationId xmlns:p14="http://schemas.microsoft.com/office/powerpoint/2010/main" val="2756505686"/>
+      </p:ext>
+    </p:extLst>
+  </p:cSld>
+  <p:clrMapOvr>
+    <a:masterClrMapping/>
+  </p:clrMapOvr>
+</p:sld>
+</file>
+
+<file path=ppt/slides/slide4.xml><?xml version="1.0" encoding="utf-8"?>
+<p:sld xmlns:a="http://schemas.openxmlformats.org/drawingml/2006/main" xmlns:r="http://schemas.openxmlformats.org/officeDocument/2006/relationships" xmlns:p="http://schemas.openxmlformats.org/presentationml/2006/main">
+  <p:cSld>
+    <p:spTree>
+      <p:nvGrpSpPr>
+        <p:cNvPr id="1" name=""/>
+        <p:cNvGrpSpPr/>
+        <p:nvPr/>
+      </p:nvGrpSpPr>
+      <p:grpSpPr>
+        <a:xfrm>
+          <a:off x="0" y="0"/>
+          <a:ext cx="0" cy="0"/>
+          <a:chOff x="0" y="0"/>
+          <a:chExt cx="0" cy="0"/>
+        </a:xfrm>
+      </p:grpSpPr>
+      <p:sp>
+        <p:nvSpPr>
+          <p:cNvPr id="2" name="楕円 1">
+            <a:extLst>
+              <a:ext uri="{FF2B5EF4-FFF2-40B4-BE49-F238E27FC236}">
+                <a16:creationId xmlns:a16="http://schemas.microsoft.com/office/drawing/2014/main" id="{92F237D0-BB30-B5F7-0A59-7DFF7F9F50CB}"/>
+              </a:ext>
+            </a:extLst>
+          </p:cNvPr>
+          <p:cNvSpPr/>
+          <p:nvPr/>
+        </p:nvSpPr>
+        <p:spPr>
+          <a:xfrm>
+            <a:off x="4473678" y="108155"/>
+            <a:ext cx="993058" cy="1002890"/>
+          </a:xfrm>
+          <a:prstGeom prst="ellipse">
+            <a:avLst/>
+          </a:prstGeom>
+        </p:spPr>
+        <p:style>
+          <a:lnRef idx="2">
+            <a:schemeClr val="accent5"/>
+          </a:lnRef>
+          <a:fillRef idx="1">
+            <a:schemeClr val="lt1"/>
+          </a:fillRef>
+          <a:effectRef idx="0">
+            <a:schemeClr val="accent5"/>
+          </a:effectRef>
+          <a:fontRef idx="minor">
+            <a:schemeClr val="dk1"/>
+          </a:fontRef>
+        </p:style>
+        <p:txBody>
+          <a:bodyPr rtlCol="0" anchor="ctr"/>
+          <a:lstStyle/>
+          <a:p>
+            <a:pPr algn="ctr"/>
+            <a:r>
+              <a:rPr kumimoji="1" lang="en-US" altLang="ja-JP" dirty="0"/>
+              <a:t>L1</a:t>
+            </a:r>
+            <a:endParaRPr kumimoji="1" lang="ja-JP" altLang="en-US" dirty="0"/>
+          </a:p>
+        </p:txBody>
+      </p:sp>
+      <p:sp>
+        <p:nvSpPr>
+          <p:cNvPr id="3" name="楕円 2">
+            <a:extLst>
+              <a:ext uri="{FF2B5EF4-FFF2-40B4-BE49-F238E27FC236}">
+                <a16:creationId xmlns:a16="http://schemas.microsoft.com/office/drawing/2014/main" id="{7BD53258-DC84-BFEA-CFD4-0A97EB87C4AB}"/>
+              </a:ext>
+            </a:extLst>
+          </p:cNvPr>
+          <p:cNvSpPr/>
+          <p:nvPr/>
+        </p:nvSpPr>
+        <p:spPr>
+          <a:xfrm>
+            <a:off x="4837471" y="1442885"/>
+            <a:ext cx="265471" cy="255638"/>
+          </a:xfrm>
+          <a:prstGeom prst="ellipse">
+            <a:avLst/>
+          </a:prstGeom>
+        </p:spPr>
+        <p:style>
+          <a:lnRef idx="2">
+            <a:schemeClr val="accent5">
+              <a:shade val="15000"/>
+            </a:schemeClr>
+          </a:lnRef>
+          <a:fillRef idx="1">
+            <a:schemeClr val="accent5"/>
+          </a:fillRef>
+          <a:effectRef idx="0">
+            <a:schemeClr val="accent5"/>
+          </a:effectRef>
+          <a:fontRef idx="minor">
+            <a:schemeClr val="lt1"/>
+          </a:fontRef>
+        </p:style>
+        <p:txBody>
+          <a:bodyPr rtlCol="0" anchor="ctr"/>
+          <a:lstStyle/>
+          <a:p>
+            <a:pPr algn="ctr"/>
+            <a:endParaRPr kumimoji="1" lang="ja-JP" altLang="en-US"/>
+          </a:p>
+        </p:txBody>
+      </p:sp>
+      <p:cxnSp>
+        <p:nvCxnSpPr>
+          <p:cNvPr id="5" name="直線矢印コネクタ 4">
+            <a:extLst>
+              <a:ext uri="{FF2B5EF4-FFF2-40B4-BE49-F238E27FC236}">
+                <a16:creationId xmlns:a16="http://schemas.microsoft.com/office/drawing/2014/main" id="{98B7B1F1-57D9-AA0D-64C9-B3DBE90DE06E}"/>
+              </a:ext>
+            </a:extLst>
+          </p:cNvPr>
+          <p:cNvCxnSpPr>
+            <a:stCxn id="2" idx="4"/>
+            <a:endCxn id="3" idx="0"/>
+          </p:cNvCxnSpPr>
+          <p:nvPr/>
+        </p:nvCxnSpPr>
+        <p:spPr>
+          <a:xfrm>
+            <a:off x="4970207" y="1111045"/>
+            <a:ext cx="0" cy="331840"/>
+          </a:xfrm>
+          <a:prstGeom prst="straightConnector1">
+            <a:avLst/>
+          </a:prstGeom>
+          <a:ln>
+            <a:tailEnd type="triangle"/>
+          </a:ln>
+        </p:spPr>
+        <p:style>
+          <a:lnRef idx="3">
+            <a:schemeClr val="accent5"/>
+          </a:lnRef>
+          <a:fillRef idx="0">
+            <a:schemeClr val="accent5"/>
+          </a:fillRef>
+          <a:effectRef idx="2">
+            <a:schemeClr val="accent5"/>
+          </a:effectRef>
+          <a:fontRef idx="minor">
+            <a:schemeClr val="tx1"/>
+          </a:fontRef>
+        </p:style>
+      </p:cxnSp>
+      <p:sp>
+        <p:nvSpPr>
+          <p:cNvPr id="8" name="楕円 7">
+            <a:extLst>
+              <a:ext uri="{FF2B5EF4-FFF2-40B4-BE49-F238E27FC236}">
+                <a16:creationId xmlns:a16="http://schemas.microsoft.com/office/drawing/2014/main" id="{3E2DEC64-0694-E635-91EA-FD355261A995}"/>
+              </a:ext>
+            </a:extLst>
+          </p:cNvPr>
+          <p:cNvSpPr/>
+          <p:nvPr/>
+        </p:nvSpPr>
+        <p:spPr>
+          <a:xfrm>
+            <a:off x="4473678" y="2064774"/>
+            <a:ext cx="993058" cy="1002890"/>
+          </a:xfrm>
+          <a:prstGeom prst="ellipse">
+            <a:avLst/>
+          </a:prstGeom>
+        </p:spPr>
+        <p:style>
+          <a:lnRef idx="2">
+            <a:schemeClr val="accent5"/>
+          </a:lnRef>
+          <a:fillRef idx="1">
+            <a:schemeClr val="lt1"/>
+          </a:fillRef>
+          <a:effectRef idx="0">
+            <a:schemeClr val="accent5"/>
+          </a:effectRef>
+          <a:fontRef idx="minor">
+            <a:schemeClr val="dk1"/>
+          </a:fontRef>
+        </p:style>
+        <p:txBody>
+          <a:bodyPr rtlCol="0" anchor="ctr"/>
+          <a:lstStyle/>
+          <a:p>
+            <a:pPr algn="ctr"/>
+            <a:r>
+              <a:rPr kumimoji="1" lang="en-US" altLang="ja-JP" dirty="0"/>
+              <a:t>L2</a:t>
+            </a:r>
+            <a:endParaRPr kumimoji="1" lang="ja-JP" altLang="en-US" dirty="0"/>
+          </a:p>
+        </p:txBody>
+      </p:sp>
+      <p:sp>
+        <p:nvSpPr>
+          <p:cNvPr id="10" name="楕円 9">
+            <a:extLst>
+              <a:ext uri="{FF2B5EF4-FFF2-40B4-BE49-F238E27FC236}">
+                <a16:creationId xmlns:a16="http://schemas.microsoft.com/office/drawing/2014/main" id="{FA4EE9EF-5A53-55C9-CBE4-883A7F45E32B}"/>
+              </a:ext>
+            </a:extLst>
+          </p:cNvPr>
+          <p:cNvSpPr/>
+          <p:nvPr/>
+        </p:nvSpPr>
+        <p:spPr>
+          <a:xfrm>
+            <a:off x="4837471" y="3429000"/>
+            <a:ext cx="265471" cy="255638"/>
+          </a:xfrm>
+          <a:prstGeom prst="ellipse">
+            <a:avLst/>
+          </a:prstGeom>
+        </p:spPr>
+        <p:style>
+          <a:lnRef idx="2">
+            <a:schemeClr val="accent5">
+              <a:shade val="15000"/>
+            </a:schemeClr>
+          </a:lnRef>
+          <a:fillRef idx="1">
+            <a:schemeClr val="accent5"/>
+          </a:fillRef>
+          <a:effectRef idx="0">
+            <a:schemeClr val="accent5"/>
+          </a:effectRef>
+          <a:fontRef idx="minor">
+            <a:schemeClr val="lt1"/>
+          </a:fontRef>
+        </p:style>
+        <p:txBody>
+          <a:bodyPr rtlCol="0" anchor="ctr"/>
+          <a:lstStyle/>
+          <a:p>
+            <a:pPr algn="ctr"/>
+            <a:endParaRPr kumimoji="1" lang="ja-JP" altLang="en-US"/>
+          </a:p>
+        </p:txBody>
+      </p:sp>
+      <p:cxnSp>
+        <p:nvCxnSpPr>
+          <p:cNvPr id="11" name="直線矢印コネクタ 10">
+            <a:extLst>
+              <a:ext uri="{FF2B5EF4-FFF2-40B4-BE49-F238E27FC236}">
+                <a16:creationId xmlns:a16="http://schemas.microsoft.com/office/drawing/2014/main" id="{9C902888-E075-F5FB-42E0-41AE8702E259}"/>
+              </a:ext>
+            </a:extLst>
+          </p:cNvPr>
+          <p:cNvCxnSpPr>
+            <a:cxnSpLocks/>
+            <a:stCxn id="3" idx="4"/>
+            <a:endCxn id="8" idx="0"/>
+          </p:cNvCxnSpPr>
+          <p:nvPr/>
+        </p:nvCxnSpPr>
+        <p:spPr>
+          <a:xfrm>
+            <a:off x="4970207" y="1698523"/>
+            <a:ext cx="0" cy="366251"/>
+          </a:xfrm>
+          <a:prstGeom prst="straightConnector1">
+            <a:avLst/>
+          </a:prstGeom>
+          <a:ln>
+            <a:tailEnd type="triangle"/>
+          </a:ln>
+        </p:spPr>
+        <p:style>
+          <a:lnRef idx="3">
+            <a:schemeClr val="accent5"/>
+          </a:lnRef>
+          <a:fillRef idx="0">
+            <a:schemeClr val="accent5"/>
+          </a:fillRef>
+          <a:effectRef idx="2">
+            <a:schemeClr val="accent5"/>
+          </a:effectRef>
+          <a:fontRef idx="minor">
+            <a:schemeClr val="tx1"/>
+          </a:fontRef>
+        </p:style>
+      </p:cxnSp>
+      <p:cxnSp>
+        <p:nvCxnSpPr>
+          <p:cNvPr id="14" name="直線矢印コネクタ 13">
+            <a:extLst>
+              <a:ext uri="{FF2B5EF4-FFF2-40B4-BE49-F238E27FC236}">
+                <a16:creationId xmlns:a16="http://schemas.microsoft.com/office/drawing/2014/main" id="{D7234654-C3E7-B7DD-E23D-59E1C1018897}"/>
+              </a:ext>
+            </a:extLst>
+          </p:cNvPr>
+          <p:cNvCxnSpPr>
+            <a:cxnSpLocks/>
+            <a:stCxn id="8" idx="4"/>
+            <a:endCxn id="10" idx="0"/>
+          </p:cNvCxnSpPr>
+          <p:nvPr/>
+        </p:nvCxnSpPr>
+        <p:spPr>
+          <a:xfrm>
+            <a:off x="4970207" y="3067664"/>
+            <a:ext cx="0" cy="361336"/>
+          </a:xfrm>
+          <a:prstGeom prst="straightConnector1">
+            <a:avLst/>
+          </a:prstGeom>
+          <a:ln>
+            <a:tailEnd type="triangle"/>
+          </a:ln>
+        </p:spPr>
+        <p:style>
+          <a:lnRef idx="3">
+            <a:schemeClr val="accent5"/>
+          </a:lnRef>
+          <a:fillRef idx="0">
+            <a:schemeClr val="accent5"/>
+          </a:fillRef>
+          <a:effectRef idx="2">
+            <a:schemeClr val="accent5"/>
+          </a:effectRef>
+          <a:fontRef idx="minor">
+            <a:schemeClr val="tx1"/>
+          </a:fontRef>
+        </p:style>
+      </p:cxnSp>
+      <p:sp>
+        <p:nvSpPr>
+          <p:cNvPr id="25" name="楕円 24">
+            <a:extLst>
+              <a:ext uri="{FF2B5EF4-FFF2-40B4-BE49-F238E27FC236}">
+                <a16:creationId xmlns:a16="http://schemas.microsoft.com/office/drawing/2014/main" id="{65D150E1-6355-F983-9A8D-48C203407A14}"/>
+              </a:ext>
+            </a:extLst>
+          </p:cNvPr>
+          <p:cNvSpPr/>
+          <p:nvPr/>
+        </p:nvSpPr>
+        <p:spPr>
+          <a:xfrm>
+            <a:off x="4473678" y="4021393"/>
+            <a:ext cx="993058" cy="1002890"/>
+          </a:xfrm>
+          <a:prstGeom prst="ellipse">
+            <a:avLst/>
+          </a:prstGeom>
+        </p:spPr>
+        <p:style>
+          <a:lnRef idx="2">
+            <a:schemeClr val="accent5"/>
+          </a:lnRef>
+          <a:fillRef idx="1">
+            <a:schemeClr val="lt1"/>
+          </a:fillRef>
+          <a:effectRef idx="0">
+            <a:schemeClr val="accent5"/>
+          </a:effectRef>
+          <a:fontRef idx="minor">
+            <a:schemeClr val="dk1"/>
+          </a:fontRef>
+        </p:style>
+        <p:txBody>
+          <a:bodyPr rtlCol="0" anchor="ctr"/>
+          <a:lstStyle/>
+          <a:p>
+            <a:pPr algn="ctr"/>
+            <a:r>
+              <a:rPr kumimoji="1" lang="en-US" altLang="ja-JP" dirty="0"/>
+              <a:t>L2</a:t>
+            </a:r>
+            <a:endParaRPr kumimoji="1" lang="ja-JP" altLang="en-US" dirty="0"/>
+          </a:p>
+        </p:txBody>
+      </p:sp>
+      <p:sp>
+        <p:nvSpPr>
+          <p:cNvPr id="26" name="楕円 25">
+            <a:extLst>
+              <a:ext uri="{FF2B5EF4-FFF2-40B4-BE49-F238E27FC236}">
+                <a16:creationId xmlns:a16="http://schemas.microsoft.com/office/drawing/2014/main" id="{A497A697-0EA2-FBEF-3185-094FEE25CE15}"/>
+              </a:ext>
+            </a:extLst>
+          </p:cNvPr>
+          <p:cNvSpPr/>
+          <p:nvPr/>
+        </p:nvSpPr>
+        <p:spPr>
+          <a:xfrm>
+            <a:off x="4837471" y="5385619"/>
+            <a:ext cx="265471" cy="255638"/>
+          </a:xfrm>
+          <a:prstGeom prst="ellipse">
+            <a:avLst/>
+          </a:prstGeom>
+        </p:spPr>
+        <p:style>
+          <a:lnRef idx="2">
+            <a:schemeClr val="accent5">
+              <a:shade val="15000"/>
+            </a:schemeClr>
+          </a:lnRef>
+          <a:fillRef idx="1">
+            <a:schemeClr val="accent5"/>
+          </a:fillRef>
+          <a:effectRef idx="0">
+            <a:schemeClr val="accent5"/>
+          </a:effectRef>
+          <a:fontRef idx="minor">
+            <a:schemeClr val="lt1"/>
+          </a:fontRef>
+        </p:style>
+        <p:txBody>
+          <a:bodyPr rtlCol="0" anchor="ctr"/>
+          <a:lstStyle/>
+          <a:p>
+            <a:pPr algn="ctr"/>
+            <a:endParaRPr kumimoji="1" lang="ja-JP" altLang="en-US"/>
+          </a:p>
+        </p:txBody>
+      </p:sp>
+      <p:cxnSp>
+        <p:nvCxnSpPr>
+          <p:cNvPr id="27" name="直線矢印コネクタ 26">
+            <a:extLst>
+              <a:ext uri="{FF2B5EF4-FFF2-40B4-BE49-F238E27FC236}">
+                <a16:creationId xmlns:a16="http://schemas.microsoft.com/office/drawing/2014/main" id="{FF2BBC0B-69CF-CF8D-3532-979305AEA1CD}"/>
+              </a:ext>
+            </a:extLst>
+          </p:cNvPr>
+          <p:cNvCxnSpPr>
+            <a:cxnSpLocks/>
+            <a:stCxn id="25" idx="4"/>
+            <a:endCxn id="26" idx="0"/>
+          </p:cNvCxnSpPr>
+          <p:nvPr/>
+        </p:nvCxnSpPr>
+        <p:spPr>
+          <a:xfrm>
+            <a:off x="4970207" y="5024283"/>
+            <a:ext cx="0" cy="361336"/>
+          </a:xfrm>
+          <a:prstGeom prst="straightConnector1">
+            <a:avLst/>
+          </a:prstGeom>
+          <a:ln>
+            <a:tailEnd type="triangle"/>
+          </a:ln>
+        </p:spPr>
+        <p:style>
+          <a:lnRef idx="3">
+            <a:schemeClr val="accent5"/>
+          </a:lnRef>
+          <a:fillRef idx="0">
+            <a:schemeClr val="accent5"/>
+          </a:fillRef>
+          <a:effectRef idx="2">
+            <a:schemeClr val="accent5"/>
+          </a:effectRef>
+          <a:fontRef idx="minor">
+            <a:schemeClr val="tx1"/>
+          </a:fontRef>
+        </p:style>
+      </p:cxnSp>
+      <p:cxnSp>
+        <p:nvCxnSpPr>
+          <p:cNvPr id="28" name="直線矢印コネクタ 27">
+            <a:extLst>
+              <a:ext uri="{FF2B5EF4-FFF2-40B4-BE49-F238E27FC236}">
+                <a16:creationId xmlns:a16="http://schemas.microsoft.com/office/drawing/2014/main" id="{02B111B3-D4D6-D484-FF43-5C389E216CED}"/>
+              </a:ext>
+            </a:extLst>
+          </p:cNvPr>
+          <p:cNvCxnSpPr>
+            <a:cxnSpLocks/>
+            <a:stCxn id="10" idx="4"/>
+          </p:cNvCxnSpPr>
+          <p:nvPr/>
+        </p:nvCxnSpPr>
+        <p:spPr>
+          <a:xfrm>
+            <a:off x="4970207" y="3684638"/>
+            <a:ext cx="0" cy="361336"/>
+          </a:xfrm>
+          <a:prstGeom prst="straightConnector1">
+            <a:avLst/>
+          </a:prstGeom>
+          <a:ln>
+            <a:tailEnd type="triangle"/>
+          </a:ln>
+        </p:spPr>
+        <p:style>
+          <a:lnRef idx="3">
+            <a:schemeClr val="accent5"/>
+          </a:lnRef>
+          <a:fillRef idx="0">
+            <a:schemeClr val="accent5"/>
+          </a:fillRef>
+          <a:effectRef idx="2">
+            <a:schemeClr val="accent5"/>
+          </a:effectRef>
+          <a:fontRef idx="minor">
+            <a:schemeClr val="tx1"/>
+          </a:fontRef>
+        </p:style>
+      </p:cxnSp>
+      <p:sp>
+        <p:nvSpPr>
+          <p:cNvPr id="30" name="テキスト ボックス 29">
+            <a:extLst>
+              <a:ext uri="{FF2B5EF4-FFF2-40B4-BE49-F238E27FC236}">
+                <a16:creationId xmlns:a16="http://schemas.microsoft.com/office/drawing/2014/main" id="{BF4CB392-1DC0-6606-4878-C71A5AC2352E}"/>
+              </a:ext>
+            </a:extLst>
+          </p:cNvPr>
+          <p:cNvSpPr txBox="1"/>
+          <p:nvPr/>
+        </p:nvSpPr>
+        <p:spPr>
+          <a:xfrm>
+            <a:off x="5692877" y="442452"/>
+            <a:ext cx="1633781" cy="369332"/>
+          </a:xfrm>
+          <a:prstGeom prst="rect">
+            <a:avLst/>
+          </a:prstGeom>
+          <a:noFill/>
+        </p:spPr>
+        <p:txBody>
+          <a:bodyPr wrap="none" rtlCol="0">
+            <a:spAutoFit/>
+          </a:bodyPr>
+          <a:lstStyle/>
+          <a:p>
+            <a:r>
+              <a:rPr kumimoji="1" lang="en-US" altLang="ja-JP" dirty="0">
+                <a:latin typeface="Arial" panose="020B0604020202020204" pitchFamily="34" charset="0"/>
+                <a:cs typeface="Arial" panose="020B0604020202020204" pitchFamily="34" charset="0"/>
+              </a:rPr>
+              <a:t>Starts fro</a:t>
+            </a:r>
+            <a:r>
+              <a:rPr lang="en-US" altLang="ja-JP" dirty="0">
+                <a:latin typeface="Arial" panose="020B0604020202020204" pitchFamily="34" charset="0"/>
+                <a:cs typeface="Arial" panose="020B0604020202020204" pitchFamily="34" charset="0"/>
+              </a:rPr>
+              <a:t>m L1</a:t>
+            </a:r>
+            <a:endParaRPr kumimoji="1" lang="ja-JP" altLang="en-US" dirty="0">
+              <a:latin typeface="Arial" panose="020B0604020202020204" pitchFamily="34" charset="0"/>
+              <a:cs typeface="Arial" panose="020B0604020202020204" pitchFamily="34" charset="0"/>
+            </a:endParaRPr>
+          </a:p>
+        </p:txBody>
+      </p:sp>
+      <p:sp>
+        <p:nvSpPr>
+          <p:cNvPr id="31" name="テキスト ボックス 30">
+            <a:extLst>
+              <a:ext uri="{FF2B5EF4-FFF2-40B4-BE49-F238E27FC236}">
+                <a16:creationId xmlns:a16="http://schemas.microsoft.com/office/drawing/2014/main" id="{98E01173-73BB-4C08-16B6-11407341D3E2}"/>
+              </a:ext>
+            </a:extLst>
+          </p:cNvPr>
+          <p:cNvSpPr txBox="1"/>
+          <p:nvPr/>
+        </p:nvSpPr>
+        <p:spPr>
+          <a:xfrm>
+            <a:off x="5692877" y="1329191"/>
+            <a:ext cx="2262158" cy="369332"/>
+          </a:xfrm>
+          <a:prstGeom prst="rect">
+            <a:avLst/>
+          </a:prstGeom>
+          <a:noFill/>
+        </p:spPr>
+        <p:txBody>
+          <a:bodyPr wrap="none" rtlCol="0">
+            <a:spAutoFit/>
+          </a:bodyPr>
+          <a:lstStyle/>
+          <a:p>
+            <a:r>
+              <a:rPr kumimoji="1" lang="en-US" altLang="ja-JP" dirty="0">
+                <a:latin typeface="Arial" panose="020B0604020202020204" pitchFamily="34" charset="0"/>
+                <a:cs typeface="Arial" panose="020B0604020202020204" pitchFamily="34" charset="0"/>
+              </a:rPr>
+              <a:t>Choose action Right</a:t>
+            </a:r>
+            <a:endParaRPr kumimoji="1" lang="ja-JP" altLang="en-US" dirty="0">
+              <a:latin typeface="Arial" panose="020B0604020202020204" pitchFamily="34" charset="0"/>
+              <a:cs typeface="Arial" panose="020B0604020202020204" pitchFamily="34" charset="0"/>
+            </a:endParaRPr>
+          </a:p>
+        </p:txBody>
+      </p:sp>
+      <p:sp>
+        <p:nvSpPr>
+          <p:cNvPr id="32" name="テキスト ボックス 31">
+            <a:extLst>
+              <a:ext uri="{FF2B5EF4-FFF2-40B4-BE49-F238E27FC236}">
+                <a16:creationId xmlns:a16="http://schemas.microsoft.com/office/drawing/2014/main" id="{5504500C-12FE-12FF-86ED-DDD20A34AC91}"/>
+              </a:ext>
+            </a:extLst>
+          </p:cNvPr>
+          <p:cNvSpPr txBox="1"/>
+          <p:nvPr/>
+        </p:nvSpPr>
+        <p:spPr>
+          <a:xfrm>
+            <a:off x="5692877" y="2381553"/>
+            <a:ext cx="1881669" cy="369332"/>
+          </a:xfrm>
+          <a:prstGeom prst="rect">
+            <a:avLst/>
+          </a:prstGeom>
+          <a:noFill/>
+        </p:spPr>
+        <p:txBody>
+          <a:bodyPr wrap="none" rtlCol="0">
+            <a:spAutoFit/>
+          </a:bodyPr>
+          <a:lstStyle/>
+          <a:p>
+            <a:r>
+              <a:rPr kumimoji="1" lang="en-US" altLang="ja-JP" dirty="0">
+                <a:latin typeface="Arial" panose="020B0604020202020204" pitchFamily="34" charset="0"/>
+                <a:cs typeface="Arial" panose="020B0604020202020204" pitchFamily="34" charset="0"/>
+              </a:rPr>
+              <a:t>Transitions to</a:t>
+            </a:r>
+            <a:r>
+              <a:rPr lang="en-US" altLang="ja-JP" dirty="0">
+                <a:latin typeface="Arial" panose="020B0604020202020204" pitchFamily="34" charset="0"/>
+                <a:cs typeface="Arial" panose="020B0604020202020204" pitchFamily="34" charset="0"/>
+              </a:rPr>
+              <a:t> L2</a:t>
+            </a:r>
+            <a:endParaRPr kumimoji="1" lang="ja-JP" altLang="en-US" dirty="0">
+              <a:latin typeface="Arial" panose="020B0604020202020204" pitchFamily="34" charset="0"/>
+              <a:cs typeface="Arial" panose="020B0604020202020204" pitchFamily="34" charset="0"/>
+            </a:endParaRPr>
+          </a:p>
+        </p:txBody>
+      </p:sp>
+      <p:sp>
+        <p:nvSpPr>
+          <p:cNvPr id="33" name="テキスト ボックス 32">
+            <a:extLst>
+              <a:ext uri="{FF2B5EF4-FFF2-40B4-BE49-F238E27FC236}">
+                <a16:creationId xmlns:a16="http://schemas.microsoft.com/office/drawing/2014/main" id="{7E9C05CF-07D0-BDC7-E9D9-C25449AC9DDB}"/>
+              </a:ext>
+            </a:extLst>
+          </p:cNvPr>
+          <p:cNvSpPr txBox="1"/>
+          <p:nvPr/>
+        </p:nvSpPr>
+        <p:spPr>
+          <a:xfrm>
+            <a:off x="5692877" y="3372153"/>
+            <a:ext cx="2262158" cy="369332"/>
+          </a:xfrm>
+          <a:prstGeom prst="rect">
+            <a:avLst/>
+          </a:prstGeom>
+          <a:noFill/>
+        </p:spPr>
+        <p:txBody>
+          <a:bodyPr wrap="none" rtlCol="0">
+            <a:spAutoFit/>
+          </a:bodyPr>
+          <a:lstStyle/>
+          <a:p>
+            <a:r>
+              <a:rPr kumimoji="1" lang="en-US" altLang="ja-JP" dirty="0">
+                <a:latin typeface="Arial" panose="020B0604020202020204" pitchFamily="34" charset="0"/>
+                <a:cs typeface="Arial" panose="020B0604020202020204" pitchFamily="34" charset="0"/>
+              </a:rPr>
+              <a:t>Choose action Right</a:t>
+            </a:r>
+            <a:endParaRPr kumimoji="1" lang="ja-JP" altLang="en-US" dirty="0">
+              <a:latin typeface="Arial" panose="020B0604020202020204" pitchFamily="34" charset="0"/>
+              <a:cs typeface="Arial" panose="020B0604020202020204" pitchFamily="34" charset="0"/>
+            </a:endParaRPr>
+          </a:p>
+        </p:txBody>
+      </p:sp>
+      <p:sp>
+        <p:nvSpPr>
+          <p:cNvPr id="34" name="テキスト ボックス 33">
+            <a:extLst>
+              <a:ext uri="{FF2B5EF4-FFF2-40B4-BE49-F238E27FC236}">
+                <a16:creationId xmlns:a16="http://schemas.microsoft.com/office/drawing/2014/main" id="{693EE899-D549-AC02-9A7B-66544EFDE906}"/>
+              </a:ext>
+            </a:extLst>
+          </p:cNvPr>
+          <p:cNvSpPr txBox="1"/>
+          <p:nvPr/>
+        </p:nvSpPr>
+        <p:spPr>
+          <a:xfrm>
+            <a:off x="5692877" y="4338172"/>
+            <a:ext cx="1326004" cy="369332"/>
+          </a:xfrm>
+          <a:prstGeom prst="rect">
+            <a:avLst/>
+          </a:prstGeom>
+          <a:noFill/>
+        </p:spPr>
+        <p:txBody>
+          <a:bodyPr wrap="none" rtlCol="0">
+            <a:spAutoFit/>
+          </a:bodyPr>
+          <a:lstStyle/>
+          <a:p>
+            <a:r>
+              <a:rPr kumimoji="1" lang="en-US" altLang="ja-JP" dirty="0">
+                <a:latin typeface="Arial" panose="020B0604020202020204" pitchFamily="34" charset="0"/>
+                <a:cs typeface="Arial" panose="020B0604020202020204" pitchFamily="34" charset="0"/>
+              </a:rPr>
+              <a:t>Stays in</a:t>
+            </a:r>
+            <a:r>
+              <a:rPr lang="en-US" altLang="ja-JP" dirty="0">
+                <a:latin typeface="Arial" panose="020B0604020202020204" pitchFamily="34" charset="0"/>
+                <a:cs typeface="Arial" panose="020B0604020202020204" pitchFamily="34" charset="0"/>
+              </a:rPr>
+              <a:t> L2</a:t>
+            </a:r>
+            <a:endParaRPr kumimoji="1" lang="ja-JP" altLang="en-US" dirty="0">
+              <a:latin typeface="Arial" panose="020B0604020202020204" pitchFamily="34" charset="0"/>
+              <a:cs typeface="Arial" panose="020B0604020202020204" pitchFamily="34" charset="0"/>
+            </a:endParaRPr>
+          </a:p>
+        </p:txBody>
+      </p:sp>
+      <p:sp>
+        <p:nvSpPr>
+          <p:cNvPr id="35" name="テキスト ボックス 34">
+            <a:extLst>
+              <a:ext uri="{FF2B5EF4-FFF2-40B4-BE49-F238E27FC236}">
+                <a16:creationId xmlns:a16="http://schemas.microsoft.com/office/drawing/2014/main" id="{CE055E99-D2AE-5DC3-F237-5917FF874A84}"/>
+              </a:ext>
+            </a:extLst>
+          </p:cNvPr>
+          <p:cNvSpPr txBox="1"/>
+          <p:nvPr/>
+        </p:nvSpPr>
+        <p:spPr>
+          <a:xfrm>
+            <a:off x="5692877" y="5194807"/>
+            <a:ext cx="2262158" cy="369332"/>
+          </a:xfrm>
+          <a:prstGeom prst="rect">
+            <a:avLst/>
+          </a:prstGeom>
+          <a:noFill/>
+        </p:spPr>
+        <p:txBody>
+          <a:bodyPr wrap="none" rtlCol="0">
+            <a:spAutoFit/>
+          </a:bodyPr>
+          <a:lstStyle/>
+          <a:p>
+            <a:r>
+              <a:rPr kumimoji="1" lang="en-US" altLang="ja-JP" dirty="0">
+                <a:latin typeface="Arial" panose="020B0604020202020204" pitchFamily="34" charset="0"/>
+                <a:cs typeface="Arial" panose="020B0604020202020204" pitchFamily="34" charset="0"/>
+              </a:rPr>
+              <a:t>Choose action Right</a:t>
+            </a:r>
+            <a:endParaRPr kumimoji="1" lang="ja-JP" altLang="en-US" dirty="0">
+              <a:latin typeface="Arial" panose="020B0604020202020204" pitchFamily="34" charset="0"/>
+              <a:cs typeface="Arial" panose="020B0604020202020204" pitchFamily="34" charset="0"/>
+            </a:endParaRPr>
+          </a:p>
+        </p:txBody>
+      </p:sp>
+      <p:sp>
+        <p:nvSpPr>
+          <p:cNvPr id="36" name="テキスト ボックス 35">
+            <a:extLst>
+              <a:ext uri="{FF2B5EF4-FFF2-40B4-BE49-F238E27FC236}">
+                <a16:creationId xmlns:a16="http://schemas.microsoft.com/office/drawing/2014/main" id="{52366B9C-8D4C-E3E1-BEE6-2D7225DDC1EB}"/>
+              </a:ext>
+            </a:extLst>
+          </p:cNvPr>
+          <p:cNvSpPr txBox="1"/>
+          <p:nvPr/>
+        </p:nvSpPr>
+        <p:spPr>
+          <a:xfrm>
+            <a:off x="4762457" y="5978012"/>
+            <a:ext cx="415498" cy="369332"/>
+          </a:xfrm>
+          <a:prstGeom prst="rect">
+            <a:avLst/>
+          </a:prstGeom>
+          <a:noFill/>
+        </p:spPr>
+        <p:txBody>
+          <a:bodyPr wrap="none" rtlCol="0">
+            <a:spAutoFit/>
+          </a:bodyPr>
+          <a:lstStyle/>
+          <a:p>
+            <a:r>
+              <a:rPr kumimoji="1" lang="en-US" altLang="ja-JP" dirty="0">
+                <a:latin typeface="Arial" panose="020B0604020202020204" pitchFamily="34" charset="0"/>
+                <a:cs typeface="Arial" panose="020B0604020202020204" pitchFamily="34" charset="0"/>
+              </a:rPr>
+              <a:t>…</a:t>
+            </a:r>
+            <a:endParaRPr kumimoji="1" lang="ja-JP" altLang="en-US" dirty="0">
+              <a:latin typeface="Arial" panose="020B0604020202020204" pitchFamily="34" charset="0"/>
+              <a:cs typeface="Arial" panose="020B0604020202020204" pitchFamily="34" charset="0"/>
+            </a:endParaRPr>
+          </a:p>
+        </p:txBody>
+      </p:sp>
+    </p:spTree>
+    <p:extLst>
+      <p:ext uri="{BB962C8B-B14F-4D97-AF65-F5344CB8AC3E}">
+        <p14:creationId xmlns:p14="http://schemas.microsoft.com/office/powerpoint/2010/main" val="4289208162"/>
       </p:ext>
     </p:extLst>
   </p:cSld>

--- a/docs/rl_slides.pptx
+++ b/docs/rl_slides.pptx
@@ -6437,7 +6437,7 @@
         </p:nvSpPr>
         <p:spPr>
           <a:xfrm>
-            <a:off x="5692877" y="1329191"/>
+            <a:off x="5692877" y="1116084"/>
             <a:ext cx="2262158" cy="369332"/>
           </a:xfrm>
           <a:prstGeom prst="rect">
@@ -6528,7 +6528,7 @@
         </p:nvSpPr>
         <p:spPr>
           <a:xfrm>
-            <a:off x="5692877" y="3372153"/>
+            <a:off x="5659088" y="3034537"/>
             <a:ext cx="2262158" cy="369332"/>
           </a:xfrm>
           <a:prstGeom prst="rect">
@@ -6619,7 +6619,7 @@
         </p:nvSpPr>
         <p:spPr>
           <a:xfrm>
-            <a:off x="5692877" y="5194807"/>
+            <a:off x="5692877" y="5088127"/>
             <a:ext cx="2262158" cy="369332"/>
           </a:xfrm>
           <a:prstGeom prst="rect">
@@ -6681,6 +6681,90 @@
                 <a:cs typeface="Arial" panose="020B0604020202020204" pitchFamily="34" charset="0"/>
               </a:rPr>
               <a:t>…</a:t>
+            </a:r>
+            <a:endParaRPr kumimoji="1" lang="ja-JP" altLang="en-US" dirty="0">
+              <a:latin typeface="Arial" panose="020B0604020202020204" pitchFamily="34" charset="0"/>
+              <a:cs typeface="Arial" panose="020B0604020202020204" pitchFamily="34" charset="0"/>
+            </a:endParaRPr>
+          </a:p>
+        </p:txBody>
+      </p:sp>
+      <p:sp>
+        <p:nvSpPr>
+          <p:cNvPr id="4" name="テキスト ボックス 3">
+            <a:extLst>
+              <a:ext uri="{FF2B5EF4-FFF2-40B4-BE49-F238E27FC236}">
+                <a16:creationId xmlns:a16="http://schemas.microsoft.com/office/drawing/2014/main" id="{6C139720-8CD8-CB84-BF8E-C0409B0AA185}"/>
+              </a:ext>
+            </a:extLst>
+          </p:cNvPr>
+          <p:cNvSpPr txBox="1"/>
+          <p:nvPr/>
+        </p:nvSpPr>
+        <p:spPr>
+          <a:xfrm>
+            <a:off x="5692877" y="1784866"/>
+            <a:ext cx="1306768" cy="369332"/>
+          </a:xfrm>
+          <a:prstGeom prst="rect">
+            <a:avLst/>
+          </a:prstGeom>
+          <a:noFill/>
+        </p:spPr>
+        <p:txBody>
+          <a:bodyPr wrap="none" rtlCol="0">
+            <a:spAutoFit/>
+          </a:bodyPr>
+          <a:lstStyle/>
+          <a:p>
+            <a:r>
+              <a:rPr kumimoji="1" lang="en-US" altLang="ja-JP" dirty="0">
+                <a:latin typeface="Arial" panose="020B0604020202020204" pitchFamily="34" charset="0"/>
+                <a:cs typeface="Arial" panose="020B0604020202020204" pitchFamily="34" charset="0"/>
+              </a:rPr>
+              <a:t>Reward +1</a:t>
+            </a:r>
+            <a:endParaRPr kumimoji="1" lang="ja-JP" altLang="en-US" dirty="0">
+              <a:latin typeface="Arial" panose="020B0604020202020204" pitchFamily="34" charset="0"/>
+              <a:cs typeface="Arial" panose="020B0604020202020204" pitchFamily="34" charset="0"/>
+            </a:endParaRPr>
+          </a:p>
+        </p:txBody>
+      </p:sp>
+      <p:sp>
+        <p:nvSpPr>
+          <p:cNvPr id="6" name="テキスト ボックス 5">
+            <a:extLst>
+              <a:ext uri="{FF2B5EF4-FFF2-40B4-BE49-F238E27FC236}">
+                <a16:creationId xmlns:a16="http://schemas.microsoft.com/office/drawing/2014/main" id="{2A08DD54-5DEB-9537-8D87-DA72C78CF5EE}"/>
+              </a:ext>
+            </a:extLst>
+          </p:cNvPr>
+          <p:cNvSpPr txBox="1"/>
+          <p:nvPr/>
+        </p:nvSpPr>
+        <p:spPr>
+          <a:xfrm>
+            <a:off x="5659088" y="3652061"/>
+            <a:ext cx="1249060" cy="369332"/>
+          </a:xfrm>
+          <a:prstGeom prst="rect">
+            <a:avLst/>
+          </a:prstGeom>
+          <a:noFill/>
+        </p:spPr>
+        <p:txBody>
+          <a:bodyPr wrap="none" rtlCol="0">
+            <a:spAutoFit/>
+          </a:bodyPr>
+          <a:lstStyle/>
+          <a:p>
+            <a:r>
+              <a:rPr kumimoji="1" lang="en-US" altLang="ja-JP" dirty="0">
+                <a:latin typeface="Arial" panose="020B0604020202020204" pitchFamily="34" charset="0"/>
+                <a:cs typeface="Arial" panose="020B0604020202020204" pitchFamily="34" charset="0"/>
+              </a:rPr>
+              <a:t>Reward -1</a:t>
             </a:r>
             <a:endParaRPr kumimoji="1" lang="ja-JP" altLang="en-US" dirty="0">
               <a:latin typeface="Arial" panose="020B0604020202020204" pitchFamily="34" charset="0"/>
